--- a/AIML Project PPT.pptx
+++ b/AIML Project PPT.pptx
@@ -12,10 +12,10 @@
     <p:sldId id="272" r:id="rId6"/>
     <p:sldId id="284" r:id="rId7"/>
     <p:sldId id="274" r:id="rId8"/>
-    <p:sldId id="278" r:id="rId9"/>
-    <p:sldId id="280" r:id="rId10"/>
-    <p:sldId id="281" r:id="rId11"/>
-    <p:sldId id="283" r:id="rId12"/>
+    <p:sldId id="280" r:id="rId9"/>
+    <p:sldId id="281" r:id="rId10"/>
+    <p:sldId id="283" r:id="rId11"/>
+    <p:sldId id="278" r:id="rId12"/>
     <p:sldId id="265" r:id="rId13"/>
   </p:sldIdLst>
   <p:sldSz cx="9144000" cy="6858000" type="screen4x3"/>
@@ -326,7 +326,7 @@
           <a:p>
             <a:fld id="{1D5BB0C6-8FC1-47C0-B737-D54E21B5B868}" type="datetimeFigureOut">
               <a:rPr lang="en-US" smtClean="0"/>
-              <a:t>5/14/2024</a:t>
+              <a:t>5/17/2024</a:t>
             </a:fld>
             <a:endParaRPr lang="en-US" dirty="0"/>
           </a:p>
@@ -737,7 +737,7 @@
           <a:p>
             <a:fld id="{1D5BB0C6-8FC1-47C0-B737-D54E21B5B868}" type="datetimeFigureOut">
               <a:rPr lang="en-US" smtClean="0"/>
-              <a:t>5/14/2024</a:t>
+              <a:t>5/17/2024</a:t>
             </a:fld>
             <a:endParaRPr lang="en-US" dirty="0"/>
           </a:p>
@@ -838,7 +838,7 @@
           <a:p>
             <a:fld id="{1D5BB0C6-8FC1-47C0-B737-D54E21B5B868}" type="datetimeFigureOut">
               <a:rPr lang="en-US" smtClean="0"/>
-              <a:t>5/14/2024</a:t>
+              <a:t>5/17/2024</a:t>
             </a:fld>
             <a:endParaRPr lang="en-US" dirty="0"/>
           </a:p>
@@ -1057,7 +1057,7 @@
           <a:p>
             <a:fld id="{1D5BB0C6-8FC1-47C0-B737-D54E21B5B868}" type="datetimeFigureOut">
               <a:rPr lang="en-US" smtClean="0"/>
-              <a:t>5/14/2024</a:t>
+              <a:t>5/17/2024</a:t>
             </a:fld>
             <a:endParaRPr lang="en-US" dirty="0"/>
           </a:p>
@@ -1899,7 +1899,7 @@
                 </a:solidFill>
                 <a:latin typeface="Arial Black" panose="020B0A04020102020204" pitchFamily="34" charset="0"/>
               </a:rPr>
-              <a:t>AIML</a:t>
+              <a:t>  AIML</a:t>
             </a:r>
           </a:p>
           <a:p>
@@ -1911,7 +1911,7 @@
                 </a:solidFill>
                 <a:latin typeface="Arial Black" panose="020B0A04020102020204" pitchFamily="34" charset="0"/>
               </a:rPr>
-              <a:t> Project</a:t>
+              <a:t> PROJECT</a:t>
             </a:r>
           </a:p>
         </p:txBody>
@@ -2007,29 +2007,7 @@
                 <a:latin typeface="Times New Roman" panose="02020603050405020304" pitchFamily="18" charset="0"/>
                 <a:cs typeface="Times New Roman" panose="02020603050405020304" pitchFamily="18" charset="0"/>
               </a:rPr>
-              <a:t>Supervised By: Tushar </a:t>
-            </a:r>
-            <a:r>
-              <a:rPr lang="en-US" dirty="0">
-                <a:solidFill>
-                  <a:srgbClr val="000000"/>
-                </a:solidFill>
-                <a:latin typeface="ArialMT"/>
-                <a:cs typeface="Times New Roman" panose="02020603050405020304" pitchFamily="18" charset="0"/>
-              </a:rPr>
-              <a:t>K</a:t>
-            </a:r>
-            <a:r>
-              <a:rPr lang="en-US" sz="1800" dirty="0">
-                <a:solidFill>
-                  <a:srgbClr val="000000"/>
-                </a:solidFill>
-                <a:effectLst/>
-                <a:latin typeface="ArialMT"/>
-                <a:ea typeface="ArialMT"/>
-                <a:cs typeface="ArialMT"/>
-              </a:rPr>
-              <a:t>hitoliya </a:t>
+              <a:t>Supervised By: Shalini Kumari</a:t>
             </a:r>
             <a:endParaRPr lang="en-US" dirty="0">
               <a:solidFill>
@@ -2107,6 +2085,1332 @@
 </file>
 
 <file path=ppt/slides/slide10.xml><?xml version="1.0" encoding="utf-8"?>
+<p:sld xmlns:a="http://schemas.openxmlformats.org/drawingml/2006/main" xmlns:r="http://schemas.openxmlformats.org/officeDocument/2006/relationships" xmlns:p="http://schemas.openxmlformats.org/presentationml/2006/main">
+  <p:cSld>
+    <p:spTree>
+      <p:nvGrpSpPr>
+        <p:cNvPr id="1" name=""/>
+        <p:cNvGrpSpPr/>
+        <p:nvPr/>
+      </p:nvGrpSpPr>
+      <p:grpSpPr>
+        <a:xfrm>
+          <a:off x="0" y="0"/>
+          <a:ext cx="0" cy="0"/>
+          <a:chOff x="0" y="0"/>
+          <a:chExt cx="0" cy="0"/>
+        </a:xfrm>
+      </p:grpSpPr>
+      <p:pic>
+        <p:nvPicPr>
+          <p:cNvPr id="8" name="Content Placeholder 7">
+            <a:extLst>
+              <a:ext uri="{FF2B5EF4-FFF2-40B4-BE49-F238E27FC236}">
+                <a16:creationId xmlns:a16="http://schemas.microsoft.com/office/drawing/2014/main" id="{8F2B10A5-5D22-2D17-EBDF-5DC7A44C82BC}"/>
+              </a:ext>
+            </a:extLst>
+          </p:cNvPr>
+          <p:cNvPicPr>
+            <a:picLocks noGrp="1" noChangeAspect="1"/>
+          </p:cNvPicPr>
+          <p:nvPr>
+            <p:ph idx="1"/>
+          </p:nvPr>
+        </p:nvPicPr>
+        <p:blipFill>
+          <a:blip r:embed="rId2">
+            <a:extLst>
+              <a:ext uri="{28A0092B-C50C-407E-A947-70E740481C1C}">
+                <a14:useLocalDpi xmlns:a14="http://schemas.microsoft.com/office/drawing/2010/main" val="0"/>
+              </a:ext>
+            </a:extLst>
+          </a:blip>
+          <a:stretch>
+            <a:fillRect/>
+          </a:stretch>
+        </p:blipFill>
+        <p:spPr>
+          <a:xfrm>
+            <a:off x="0" y="838200"/>
+            <a:ext cx="9144000" cy="5831160"/>
+          </a:xfrm>
+        </p:spPr>
+      </p:pic>
+    </p:spTree>
+    <p:extLst>
+      <p:ext uri="{BB962C8B-B14F-4D97-AF65-F5344CB8AC3E}">
+        <p14:creationId xmlns:p14="http://schemas.microsoft.com/office/powerpoint/2010/main" val="3722812565"/>
+      </p:ext>
+    </p:extLst>
+  </p:cSld>
+  <p:clrMapOvr>
+    <a:masterClrMapping/>
+  </p:clrMapOvr>
+  <p:transition advTm="4000">
+    <p:cut/>
+  </p:transition>
+</p:sld>
+</file>
+
+<file path=ppt/slides/slide11.xml><?xml version="1.0" encoding="utf-8"?>
+<p:sld xmlns:a="http://schemas.openxmlformats.org/drawingml/2006/main" xmlns:r="http://schemas.openxmlformats.org/officeDocument/2006/relationships" xmlns:p="http://schemas.openxmlformats.org/presentationml/2006/main">
+  <p:cSld>
+    <p:spTree>
+      <p:nvGrpSpPr>
+        <p:cNvPr id="1" name=""/>
+        <p:cNvGrpSpPr/>
+        <p:nvPr/>
+      </p:nvGrpSpPr>
+      <p:grpSpPr>
+        <a:xfrm>
+          <a:off x="0" y="0"/>
+          <a:ext cx="0" cy="0"/>
+          <a:chOff x="0" y="0"/>
+          <a:chExt cx="0" cy="0"/>
+        </a:xfrm>
+      </p:grpSpPr>
+      <p:sp>
+        <p:nvSpPr>
+          <p:cNvPr id="2" name="TextBox 1"/>
+          <p:cNvSpPr txBox="1"/>
+          <p:nvPr/>
+        </p:nvSpPr>
+        <p:spPr>
+          <a:xfrm>
+            <a:off x="467544" y="260648"/>
+            <a:ext cx="5400600" cy="584775"/>
+          </a:xfrm>
+          <a:prstGeom prst="rect">
+            <a:avLst/>
+          </a:prstGeom>
+          <a:noFill/>
+        </p:spPr>
+        <p:txBody>
+          <a:bodyPr wrap="square" rtlCol="0">
+            <a:spAutoFit/>
+          </a:bodyPr>
+          <a:lstStyle/>
+          <a:p>
+            <a:r>
+              <a:rPr lang="en-US" sz="3200" dirty="0">
+                <a:latin typeface="Times New Roman" panose="02020603050405020304" pitchFamily="18" charset="0"/>
+                <a:cs typeface="Times New Roman" panose="02020603050405020304" pitchFamily="18" charset="0"/>
+              </a:rPr>
+              <a:t>Conclusion</a:t>
+            </a:r>
+          </a:p>
+        </p:txBody>
+      </p:sp>
+      <p:sp>
+        <p:nvSpPr>
+          <p:cNvPr id="3" name="Rectangle 2"/>
+          <p:cNvSpPr/>
+          <p:nvPr/>
+        </p:nvSpPr>
+        <p:spPr>
+          <a:xfrm>
+            <a:off x="0" y="845423"/>
+            <a:ext cx="9144000" cy="5115311"/>
+          </a:xfrm>
+          <a:prstGeom prst="rect">
+            <a:avLst/>
+          </a:prstGeom>
+        </p:spPr>
+        <p:txBody>
+          <a:bodyPr wrap="square">
+            <a:spAutoFit/>
+          </a:bodyPr>
+          <a:lstStyle/>
+          <a:p>
+            <a:pPr algn="just">
+              <a:lnSpc>
+                <a:spcPct val="150000"/>
+              </a:lnSpc>
+            </a:pPr>
+            <a:r>
+              <a:rPr lang="en-US" sz="2000" dirty="0">
+                <a:latin typeface="Times New Roman" panose="02020603050405020304" pitchFamily="18" charset="0"/>
+                <a:cs typeface="Times New Roman" panose="02020603050405020304" pitchFamily="18" charset="0"/>
+              </a:rPr>
+              <a:t>To guarantee accurate celebrity face identification, assess model accuracy using thorough assessment measures. To find the most effective strategy for identifying celebrities' faces while maximising performance and dependability, compare and evaluate a variety of machine learning algorithms and techniques. Showcase the face detection model's usefulness and adaptability in a variety of contexts, including security systems, social networking sites, and the entertainment industry. Emphasise how this model may improve usability and functionality. Maintain good performance over time by regularly assessing the model's accuracy, flexibility, and stability with fresh data and changing image attributes. To create new benchmarks for the industry, investigate how the celebrity face detection model can revolutionise security procedures, provide cutting-edge capabilities to a range of apps, and greatly improve user experiences.</a:t>
+            </a:r>
+          </a:p>
+        </p:txBody>
+      </p:sp>
+    </p:spTree>
+  </p:cSld>
+  <p:clrMapOvr>
+    <a:masterClrMapping/>
+  </p:clrMapOvr>
+  <p:transition advTm="4000">
+    <p:cut/>
+  </p:transition>
+</p:sld>
+</file>
+
+<file path=ppt/slides/slide12.xml><?xml version="1.0" encoding="utf-8"?>
+<p:sld xmlns:a="http://schemas.openxmlformats.org/drawingml/2006/main" xmlns:r="http://schemas.openxmlformats.org/officeDocument/2006/relationships" xmlns:p="http://schemas.openxmlformats.org/presentationml/2006/main">
+  <p:cSld>
+    <p:spTree>
+      <p:nvGrpSpPr>
+        <p:cNvPr id="1" name=""/>
+        <p:cNvGrpSpPr/>
+        <p:nvPr/>
+      </p:nvGrpSpPr>
+      <p:grpSpPr>
+        <a:xfrm>
+          <a:off x="0" y="0"/>
+          <a:ext cx="0" cy="0"/>
+          <a:chOff x="0" y="0"/>
+          <a:chExt cx="0" cy="0"/>
+        </a:xfrm>
+      </p:grpSpPr>
+      <p:sp>
+        <p:nvSpPr>
+          <p:cNvPr id="1028" name="AutoShape 4" descr="Download The Best Thank You Slide For PPT Presentation"/>
+          <p:cNvSpPr>
+            <a:spLocks noChangeAspect="1" noChangeArrowheads="1"/>
+          </p:cNvSpPr>
+          <p:nvPr/>
+        </p:nvSpPr>
+        <p:spPr bwMode="auto">
+          <a:xfrm>
+            <a:off x="155575" y="-144463"/>
+            <a:ext cx="304800" cy="304801"/>
+          </a:xfrm>
+          <a:prstGeom prst="rect">
+            <a:avLst/>
+          </a:prstGeom>
+          <a:noFill/>
+        </p:spPr>
+        <p:txBody>
+          <a:bodyPr vert="horz" wrap="square" lIns="91440" tIns="45720" rIns="91440" bIns="45720" numCol="1" anchor="t" anchorCtr="0" compatLnSpc="1"/>
+          <a:lstStyle/>
+          <a:p>
+            <a:endParaRPr lang="en-US" dirty="0"/>
+          </a:p>
+        </p:txBody>
+      </p:sp>
+      <p:sp>
+        <p:nvSpPr>
+          <p:cNvPr id="1030" name="AutoShape 6" descr="Download The Best Thank You Slide For PPT Presentation"/>
+          <p:cNvSpPr>
+            <a:spLocks noChangeAspect="1" noChangeArrowheads="1"/>
+          </p:cNvSpPr>
+          <p:nvPr/>
+        </p:nvSpPr>
+        <p:spPr bwMode="auto">
+          <a:xfrm>
+            <a:off x="155575" y="-144463"/>
+            <a:ext cx="304800" cy="304801"/>
+          </a:xfrm>
+          <a:prstGeom prst="rect">
+            <a:avLst/>
+          </a:prstGeom>
+          <a:noFill/>
+        </p:spPr>
+        <p:txBody>
+          <a:bodyPr vert="horz" wrap="square" lIns="91440" tIns="45720" rIns="91440" bIns="45720" numCol="1" anchor="t" anchorCtr="0" compatLnSpc="1"/>
+          <a:lstStyle/>
+          <a:p>
+            <a:endParaRPr lang="en-US" dirty="0"/>
+          </a:p>
+        </p:txBody>
+      </p:sp>
+      <p:sp>
+        <p:nvSpPr>
+          <p:cNvPr id="1032" name="AutoShape 8" descr="Download The Best Thank You Slide For PPT Presentation"/>
+          <p:cNvSpPr>
+            <a:spLocks noChangeAspect="1" noChangeArrowheads="1"/>
+          </p:cNvSpPr>
+          <p:nvPr/>
+        </p:nvSpPr>
+        <p:spPr bwMode="auto">
+          <a:xfrm>
+            <a:off x="155575" y="-144463"/>
+            <a:ext cx="304800" cy="304801"/>
+          </a:xfrm>
+          <a:prstGeom prst="rect">
+            <a:avLst/>
+          </a:prstGeom>
+          <a:noFill/>
+        </p:spPr>
+        <p:txBody>
+          <a:bodyPr vert="horz" wrap="square" lIns="91440" tIns="45720" rIns="91440" bIns="45720" numCol="1" anchor="t" anchorCtr="0" compatLnSpc="1"/>
+          <a:lstStyle/>
+          <a:p>
+            <a:endParaRPr lang="en-US" dirty="0"/>
+          </a:p>
+        </p:txBody>
+      </p:sp>
+      <p:pic>
+        <p:nvPicPr>
+          <p:cNvPr id="2" name="Picture 1">
+            <a:extLst>
+              <a:ext uri="{FF2B5EF4-FFF2-40B4-BE49-F238E27FC236}">
+                <a16:creationId xmlns:a16="http://schemas.microsoft.com/office/drawing/2014/main" id="{F9536C17-A026-6E06-9020-F19AA2CBC6FB}"/>
+              </a:ext>
+            </a:extLst>
+          </p:cNvPr>
+          <p:cNvPicPr>
+            <a:picLocks noChangeAspect="1"/>
+          </p:cNvPicPr>
+          <p:nvPr/>
+        </p:nvPicPr>
+        <p:blipFill>
+          <a:blip r:embed="rId2" cstate="print">
+            <a:extLst>
+              <a:ext uri="{28A0092B-C50C-407E-A947-70E740481C1C}">
+                <a14:useLocalDpi xmlns:a14="http://schemas.microsoft.com/office/drawing/2010/main" val="0"/>
+              </a:ext>
+            </a:extLst>
+          </a:blip>
+          <a:stretch>
+            <a:fillRect/>
+          </a:stretch>
+        </p:blipFill>
+        <p:spPr>
+          <a:xfrm>
+            <a:off x="0" y="836712"/>
+            <a:ext cx="9144000" cy="5832648"/>
+          </a:xfrm>
+          <a:prstGeom prst="rect">
+            <a:avLst/>
+          </a:prstGeom>
+        </p:spPr>
+      </p:pic>
+    </p:spTree>
+  </p:cSld>
+  <p:clrMapOvr>
+    <a:masterClrMapping/>
+  </p:clrMapOvr>
+  <p:transition advTm="4000">
+    <p:cut/>
+  </p:transition>
+</p:sld>
+</file>
+
+<file path=ppt/slides/slide2.xml><?xml version="1.0" encoding="utf-8"?>
+<p:sld xmlns:a="http://schemas.openxmlformats.org/drawingml/2006/main" xmlns:r="http://schemas.openxmlformats.org/officeDocument/2006/relationships" xmlns:p="http://schemas.openxmlformats.org/presentationml/2006/main">
+  <p:cSld>
+    <p:spTree>
+      <p:nvGrpSpPr>
+        <p:cNvPr id="1" name=""/>
+        <p:cNvGrpSpPr/>
+        <p:nvPr/>
+      </p:nvGrpSpPr>
+      <p:grpSpPr>
+        <a:xfrm>
+          <a:off x="0" y="0"/>
+          <a:ext cx="0" cy="0"/>
+          <a:chOff x="0" y="0"/>
+          <a:chExt cx="0" cy="0"/>
+        </a:xfrm>
+      </p:grpSpPr>
+      <p:sp>
+        <p:nvSpPr>
+          <p:cNvPr id="2" name="TextBox 1"/>
+          <p:cNvSpPr txBox="1"/>
+          <p:nvPr/>
+        </p:nvSpPr>
+        <p:spPr>
+          <a:xfrm>
+            <a:off x="467544" y="260648"/>
+            <a:ext cx="5400600" cy="584775"/>
+          </a:xfrm>
+          <a:prstGeom prst="rect">
+            <a:avLst/>
+          </a:prstGeom>
+          <a:noFill/>
+        </p:spPr>
+        <p:txBody>
+          <a:bodyPr wrap="square" rtlCol="0">
+            <a:spAutoFit/>
+          </a:bodyPr>
+          <a:lstStyle/>
+          <a:p>
+            <a:r>
+              <a:rPr lang="en-US" sz="3200" b="1" dirty="0">
+                <a:latin typeface="Times New Roman" panose="02020603050405020304" pitchFamily="18" charset="0"/>
+                <a:cs typeface="Times New Roman" panose="02020603050405020304" pitchFamily="18" charset="0"/>
+              </a:rPr>
+              <a:t>Table of Contents</a:t>
+            </a:r>
+            <a:endParaRPr lang="en-US" b="1" dirty="0">
+              <a:latin typeface="Times New Roman" panose="02020603050405020304" pitchFamily="18" charset="0"/>
+              <a:cs typeface="Times New Roman" panose="02020603050405020304" pitchFamily="18" charset="0"/>
+            </a:endParaRPr>
+          </a:p>
+        </p:txBody>
+      </p:sp>
+      <p:sp>
+        <p:nvSpPr>
+          <p:cNvPr id="3" name="TextBox 2"/>
+          <p:cNvSpPr txBox="1"/>
+          <p:nvPr/>
+        </p:nvSpPr>
+        <p:spPr>
+          <a:xfrm>
+            <a:off x="0" y="980728"/>
+            <a:ext cx="9144000" cy="5601533"/>
+          </a:xfrm>
+          <a:prstGeom prst="rect">
+            <a:avLst/>
+          </a:prstGeom>
+          <a:noFill/>
+        </p:spPr>
+        <p:txBody>
+          <a:bodyPr wrap="square" rtlCol="0">
+            <a:spAutoFit/>
+          </a:bodyPr>
+          <a:lstStyle/>
+          <a:p>
+            <a:pPr algn="just">
+              <a:lnSpc>
+                <a:spcPct val="150000"/>
+              </a:lnSpc>
+              <a:buFont typeface="Arial" panose="020B0604020202020204" pitchFamily="34" charset="0"/>
+              <a:buChar char="•"/>
+            </a:pPr>
+            <a:r>
+              <a:rPr lang="en-US" sz="2800" dirty="0">
+                <a:latin typeface="Times New Roman" panose="02020603050405020304" pitchFamily="18" charset="0"/>
+                <a:cs typeface="Times New Roman" panose="02020603050405020304" pitchFamily="18" charset="0"/>
+              </a:rPr>
+              <a:t>Introduction</a:t>
+            </a:r>
+          </a:p>
+          <a:p>
+            <a:pPr>
+              <a:lnSpc>
+                <a:spcPct val="150000"/>
+              </a:lnSpc>
+              <a:buFont typeface="Arial" panose="020B0604020202020204" pitchFamily="34" charset="0"/>
+              <a:buChar char="•"/>
+            </a:pPr>
+            <a:r>
+              <a:rPr lang="en-US" sz="2800" dirty="0">
+                <a:latin typeface="Times New Roman" panose="02020603050405020304" pitchFamily="18" charset="0"/>
+                <a:cs typeface="Times New Roman" panose="02020603050405020304" pitchFamily="18" charset="0"/>
+              </a:rPr>
+              <a:t>Problem Statement</a:t>
+            </a:r>
+          </a:p>
+          <a:p>
+            <a:pPr>
+              <a:lnSpc>
+                <a:spcPct val="150000"/>
+              </a:lnSpc>
+              <a:buFont typeface="Arial" panose="020B0604020202020204" pitchFamily="34" charset="0"/>
+              <a:buChar char="•"/>
+            </a:pPr>
+            <a:r>
+              <a:rPr lang="en-US" sz="2800" dirty="0">
+                <a:latin typeface="Times New Roman" panose="02020603050405020304" pitchFamily="18" charset="0"/>
+                <a:cs typeface="Times New Roman" panose="02020603050405020304" pitchFamily="18" charset="0"/>
+              </a:rPr>
+              <a:t>Modules Used</a:t>
+            </a:r>
+          </a:p>
+          <a:p>
+            <a:pPr>
+              <a:lnSpc>
+                <a:spcPct val="150000"/>
+              </a:lnSpc>
+              <a:buFont typeface="Arial" panose="020B0604020202020204" pitchFamily="34" charset="0"/>
+              <a:buChar char="•"/>
+            </a:pPr>
+            <a:r>
+              <a:rPr lang="en-US" sz="2800" dirty="0">
+                <a:latin typeface="Times New Roman" panose="02020603050405020304" pitchFamily="18" charset="0"/>
+                <a:cs typeface="Times New Roman" panose="02020603050405020304" pitchFamily="18" charset="0"/>
+              </a:rPr>
+              <a:t>Key Features </a:t>
+            </a:r>
+          </a:p>
+          <a:p>
+            <a:pPr>
+              <a:lnSpc>
+                <a:spcPct val="150000"/>
+              </a:lnSpc>
+              <a:buFont typeface="Arial" panose="020B0604020202020204" pitchFamily="34" charset="0"/>
+              <a:buChar char="•"/>
+            </a:pPr>
+            <a:r>
+              <a:rPr lang="en-US" sz="2800" dirty="0">
+                <a:latin typeface="Times New Roman" panose="02020603050405020304" pitchFamily="18" charset="0"/>
+                <a:cs typeface="Times New Roman" panose="02020603050405020304" pitchFamily="18" charset="0"/>
+              </a:rPr>
+              <a:t>Project Highlights</a:t>
+            </a:r>
+          </a:p>
+          <a:p>
+            <a:pPr>
+              <a:lnSpc>
+                <a:spcPct val="150000"/>
+              </a:lnSpc>
+              <a:buFont typeface="Arial" panose="020B0604020202020204" pitchFamily="34" charset="0"/>
+              <a:buChar char="•"/>
+            </a:pPr>
+            <a:r>
+              <a:rPr lang="en-US" sz="2800" dirty="0">
+                <a:latin typeface="Times New Roman" panose="02020603050405020304" pitchFamily="18" charset="0"/>
+                <a:cs typeface="Times New Roman" panose="02020603050405020304" pitchFamily="18" charset="0"/>
+              </a:rPr>
+              <a:t>Conclusion</a:t>
+            </a:r>
+          </a:p>
+          <a:p>
+            <a:pPr>
+              <a:lnSpc>
+                <a:spcPct val="150000"/>
+              </a:lnSpc>
+            </a:pPr>
+            <a:endParaRPr lang="en-US" sz="2800" dirty="0">
+              <a:latin typeface="Times New Roman" panose="02020603050405020304" pitchFamily="18" charset="0"/>
+              <a:cs typeface="Times New Roman" panose="02020603050405020304" pitchFamily="18" charset="0"/>
+            </a:endParaRPr>
+          </a:p>
+          <a:p>
+            <a:pPr>
+              <a:buFont typeface="Arial" panose="020B0604020202020204" pitchFamily="34" charset="0"/>
+              <a:buChar char="•"/>
+            </a:pPr>
+            <a:endParaRPr lang="en-US" sz="3200" dirty="0">
+              <a:latin typeface="Times New Roman" panose="02020603050405020304" pitchFamily="18" charset="0"/>
+              <a:cs typeface="Times New Roman" panose="02020603050405020304" pitchFamily="18" charset="0"/>
+            </a:endParaRPr>
+          </a:p>
+          <a:p>
+            <a:pPr>
+              <a:buFont typeface="Arial" panose="020B0604020202020204" pitchFamily="34" charset="0"/>
+              <a:buChar char="•"/>
+            </a:pPr>
+            <a:endParaRPr lang="en-US" sz="3200" dirty="0">
+              <a:latin typeface="Times New Roman" panose="02020603050405020304" pitchFamily="18" charset="0"/>
+              <a:cs typeface="Times New Roman" panose="02020603050405020304" pitchFamily="18" charset="0"/>
+            </a:endParaRPr>
+          </a:p>
+        </p:txBody>
+      </p:sp>
+    </p:spTree>
+  </p:cSld>
+  <p:clrMapOvr>
+    <a:masterClrMapping/>
+  </p:clrMapOvr>
+  <p:transition advTm="4000">
+    <p:cut/>
+  </p:transition>
+</p:sld>
+</file>
+
+<file path=ppt/slides/slide3.xml><?xml version="1.0" encoding="utf-8"?>
+<p:sld xmlns:a="http://schemas.openxmlformats.org/drawingml/2006/main" xmlns:r="http://schemas.openxmlformats.org/officeDocument/2006/relationships" xmlns:p="http://schemas.openxmlformats.org/presentationml/2006/main">
+  <p:cSld>
+    <p:spTree>
+      <p:nvGrpSpPr>
+        <p:cNvPr id="1" name=""/>
+        <p:cNvGrpSpPr/>
+        <p:nvPr/>
+      </p:nvGrpSpPr>
+      <p:grpSpPr>
+        <a:xfrm>
+          <a:off x="0" y="0"/>
+          <a:ext cx="0" cy="0"/>
+          <a:chOff x="0" y="0"/>
+          <a:chExt cx="0" cy="0"/>
+        </a:xfrm>
+      </p:grpSpPr>
+      <p:sp>
+        <p:nvSpPr>
+          <p:cNvPr id="2" name="TextBox 1"/>
+          <p:cNvSpPr txBox="1"/>
+          <p:nvPr/>
+        </p:nvSpPr>
+        <p:spPr>
+          <a:xfrm>
+            <a:off x="467544" y="260648"/>
+            <a:ext cx="5400600" cy="584775"/>
+          </a:xfrm>
+          <a:prstGeom prst="rect">
+            <a:avLst/>
+          </a:prstGeom>
+          <a:noFill/>
+        </p:spPr>
+        <p:txBody>
+          <a:bodyPr wrap="square" rtlCol="0">
+            <a:spAutoFit/>
+          </a:bodyPr>
+          <a:lstStyle/>
+          <a:p>
+            <a:r>
+              <a:rPr lang="en-US" sz="3200" dirty="0">
+                <a:latin typeface="Times New Roman" panose="02020603050405020304" pitchFamily="18" charset="0"/>
+                <a:cs typeface="Times New Roman" panose="02020603050405020304" pitchFamily="18" charset="0"/>
+              </a:rPr>
+              <a:t>Introduction</a:t>
+            </a:r>
+          </a:p>
+        </p:txBody>
+      </p:sp>
+      <p:sp>
+        <p:nvSpPr>
+          <p:cNvPr id="4" name="TextBox 3"/>
+          <p:cNvSpPr txBox="1"/>
+          <p:nvPr/>
+        </p:nvSpPr>
+        <p:spPr>
+          <a:xfrm>
+            <a:off x="539552" y="1013647"/>
+            <a:ext cx="7704856" cy="4457952"/>
+          </a:xfrm>
+          <a:prstGeom prst="rect">
+            <a:avLst/>
+          </a:prstGeom>
+          <a:noFill/>
+        </p:spPr>
+        <p:txBody>
+          <a:bodyPr wrap="square" rtlCol="0">
+            <a:spAutoFit/>
+          </a:bodyPr>
+          <a:lstStyle/>
+          <a:p>
+            <a:pPr>
+              <a:lnSpc>
+                <a:spcPct val="150000"/>
+              </a:lnSpc>
+            </a:pPr>
+            <a:r>
+              <a:rPr lang="en-US" sz="2400" dirty="0">
+                <a:latin typeface="Times New Roman Regular" panose="02020603050405020304" charset="0"/>
+                <a:cs typeface="Times New Roman Regular" panose="02020603050405020304" charset="0"/>
+              </a:rPr>
+              <a:t>For social media, entertainment, and security, celebrity face prediction is crucial, yet image fluctuations provide difficulties. The benefit of machine learning is that it can accurately recognise faces by analysing photos and extracting information. The project's goal is to create a trustworthy machine learning (ML) system for celebrity face detection. This system's strong capability will be useful for social media analysis, entertainment, and security applications.</a:t>
+            </a:r>
+            <a:endParaRPr lang="en-IN" sz="2400" dirty="0">
+              <a:latin typeface="Times New Roman Regular" panose="02020603050405020304" charset="0"/>
+              <a:cs typeface="Times New Roman Regular" panose="02020603050405020304" charset="0"/>
+            </a:endParaRPr>
+          </a:p>
+        </p:txBody>
+      </p:sp>
+    </p:spTree>
+  </p:cSld>
+  <p:clrMapOvr>
+    <a:masterClrMapping/>
+  </p:clrMapOvr>
+  <p:transition advTm="4000">
+    <p:cut/>
+  </p:transition>
+</p:sld>
+</file>
+
+<file path=ppt/slides/slide4.xml><?xml version="1.0" encoding="utf-8"?>
+<p:sld xmlns:a="http://schemas.openxmlformats.org/drawingml/2006/main" xmlns:r="http://schemas.openxmlformats.org/officeDocument/2006/relationships" xmlns:p="http://schemas.openxmlformats.org/presentationml/2006/main">
+  <p:cSld>
+    <p:spTree>
+      <p:nvGrpSpPr>
+        <p:cNvPr id="1" name=""/>
+        <p:cNvGrpSpPr/>
+        <p:nvPr/>
+      </p:nvGrpSpPr>
+      <p:grpSpPr>
+        <a:xfrm>
+          <a:off x="0" y="0"/>
+          <a:ext cx="0" cy="0"/>
+          <a:chOff x="0" y="0"/>
+          <a:chExt cx="0" cy="0"/>
+        </a:xfrm>
+      </p:grpSpPr>
+      <p:sp>
+        <p:nvSpPr>
+          <p:cNvPr id="2" name="TextBox 1"/>
+          <p:cNvSpPr txBox="1"/>
+          <p:nvPr/>
+        </p:nvSpPr>
+        <p:spPr>
+          <a:xfrm>
+            <a:off x="467544" y="260648"/>
+            <a:ext cx="5400600" cy="584775"/>
+          </a:xfrm>
+          <a:prstGeom prst="rect">
+            <a:avLst/>
+          </a:prstGeom>
+          <a:noFill/>
+        </p:spPr>
+        <p:txBody>
+          <a:bodyPr wrap="square" rtlCol="0">
+            <a:spAutoFit/>
+          </a:bodyPr>
+          <a:lstStyle/>
+          <a:p>
+            <a:r>
+              <a:rPr lang="en-US" sz="3200" dirty="0">
+                <a:latin typeface="Times New Roman" panose="02020603050405020304" pitchFamily="18" charset="0"/>
+                <a:cs typeface="Times New Roman" panose="02020603050405020304" pitchFamily="18" charset="0"/>
+              </a:rPr>
+              <a:t>Problem Statement</a:t>
+            </a:r>
+          </a:p>
+        </p:txBody>
+      </p:sp>
+      <p:sp>
+        <p:nvSpPr>
+          <p:cNvPr id="3" name="Rectangle 2"/>
+          <p:cNvSpPr/>
+          <p:nvPr/>
+        </p:nvSpPr>
+        <p:spPr>
+          <a:xfrm>
+            <a:off x="179512" y="845423"/>
+            <a:ext cx="8417064" cy="5565947"/>
+          </a:xfrm>
+          <a:prstGeom prst="rect">
+            <a:avLst/>
+          </a:prstGeom>
+        </p:spPr>
+        <p:txBody>
+          <a:bodyPr wrap="square">
+            <a:spAutoFit/>
+          </a:bodyPr>
+          <a:lstStyle/>
+          <a:p>
+            <a:pPr>
+              <a:lnSpc>
+                <a:spcPct val="150000"/>
+              </a:lnSpc>
+            </a:pPr>
+            <a:r>
+              <a:rPr lang="en-US" sz="2400" dirty="0">
+                <a:latin typeface="Times New Roman" panose="02020603050405020304" pitchFamily="18" charset="0"/>
+                <a:cs typeface="Times New Roman" panose="02020603050405020304" pitchFamily="18" charset="0"/>
+              </a:rPr>
+              <a:t>It can be difficult to accurately recognise famous faces in images or videos because of variations in lighting, image quality, and facial features. Key facial characteristics that set superstars apart from the general public must be the focus of effective face recognition systems. Reliable celebrity face recognition algorithms are necessary to enhance user experiences on social networking, entertainment, and security platforms. The assessment of image data, the discovery of noteworthy traits, and the development of exact models for reliable celebrity face identification are all made possible by machine learning techniques.</a:t>
+            </a:r>
+          </a:p>
+        </p:txBody>
+      </p:sp>
+    </p:spTree>
+  </p:cSld>
+  <p:clrMapOvr>
+    <a:masterClrMapping/>
+  </p:clrMapOvr>
+  <p:transition advTm="4000">
+    <p:cut/>
+  </p:transition>
+</p:sld>
+</file>
+
+<file path=ppt/slides/slide5.xml><?xml version="1.0" encoding="utf-8"?>
+<p:sld xmlns:a="http://schemas.openxmlformats.org/drawingml/2006/main" xmlns:r="http://schemas.openxmlformats.org/officeDocument/2006/relationships" xmlns:p="http://schemas.openxmlformats.org/presentationml/2006/main">
+  <p:cSld>
+    <p:spTree>
+      <p:nvGrpSpPr>
+        <p:cNvPr id="1" name=""/>
+        <p:cNvGrpSpPr/>
+        <p:nvPr/>
+      </p:nvGrpSpPr>
+      <p:grpSpPr>
+        <a:xfrm>
+          <a:off x="0" y="0"/>
+          <a:ext cx="0" cy="0"/>
+          <a:chOff x="0" y="0"/>
+          <a:chExt cx="0" cy="0"/>
+        </a:xfrm>
+      </p:grpSpPr>
+      <p:sp>
+        <p:nvSpPr>
+          <p:cNvPr id="2" name="TextBox 1"/>
+          <p:cNvSpPr txBox="1"/>
+          <p:nvPr/>
+        </p:nvSpPr>
+        <p:spPr>
+          <a:xfrm>
+            <a:off x="467544" y="260648"/>
+            <a:ext cx="5400600" cy="584775"/>
+          </a:xfrm>
+          <a:prstGeom prst="rect">
+            <a:avLst/>
+          </a:prstGeom>
+          <a:noFill/>
+        </p:spPr>
+        <p:txBody>
+          <a:bodyPr wrap="square" rtlCol="0">
+            <a:spAutoFit/>
+          </a:bodyPr>
+          <a:lstStyle/>
+          <a:p>
+            <a:r>
+              <a:rPr lang="en-US" sz="3200" dirty="0">
+                <a:latin typeface="Times New Roman" panose="02020603050405020304" pitchFamily="18" charset="0"/>
+                <a:cs typeface="Times New Roman" panose="02020603050405020304" pitchFamily="18" charset="0"/>
+              </a:rPr>
+              <a:t>Modules Used:</a:t>
+            </a:r>
+          </a:p>
+        </p:txBody>
+      </p:sp>
+      <p:sp>
+        <p:nvSpPr>
+          <p:cNvPr id="3" name="Rectangle 2"/>
+          <p:cNvSpPr/>
+          <p:nvPr/>
+        </p:nvSpPr>
+        <p:spPr>
+          <a:xfrm>
+            <a:off x="0" y="845423"/>
+            <a:ext cx="9144000" cy="4708981"/>
+          </a:xfrm>
+          <a:prstGeom prst="rect">
+            <a:avLst/>
+          </a:prstGeom>
+        </p:spPr>
+        <p:txBody>
+          <a:bodyPr wrap="square">
+            <a:spAutoFit/>
+          </a:bodyPr>
+          <a:lstStyle/>
+          <a:p>
+            <a:pPr algn="l"/>
+            <a:br>
+              <a:rPr lang="en-US" sz="2000" b="0" i="0" dirty="0">
+                <a:effectLst/>
+                <a:highlight>
+                  <a:srgbClr val="212121"/>
+                </a:highlight>
+                <a:latin typeface="Söhne"/>
+              </a:rPr>
+            </a:br>
+            <a:r>
+              <a:rPr lang="en-US" sz="2000" b="0" i="0" dirty="0">
+                <a:effectLst/>
+                <a:latin typeface="Söhne"/>
+              </a:rPr>
+              <a:t>1.OpenCV (Open Source Computer Vision Library): OpenCV is a popular open-source library for computer vision and image processing tasks. It provides a wide range of functionalities for tasks such as image and video manipulation, object detection, feature extraction, image stitching, and more. </a:t>
+            </a:r>
+          </a:p>
+          <a:p>
+            <a:pPr algn="l"/>
+            <a:endParaRPr lang="en-US" sz="2000" b="0" i="0" dirty="0">
+              <a:effectLst/>
+              <a:latin typeface="Söhne"/>
+            </a:endParaRPr>
+          </a:p>
+          <a:p>
+            <a:pPr algn="l"/>
+            <a:r>
+              <a:rPr lang="en-US" sz="2000" b="0" i="0" dirty="0">
+                <a:effectLst/>
+                <a:latin typeface="Söhne"/>
+              </a:rPr>
+              <a:t>2.Matplotlib: Matplotlib is a comprehensive plotting library for creating static, interactive, and animated visualizations in Python. It provides a interface for generating plots and charts, allowing users to create line plots, scatter plots, bar plots, histograms, etc. </a:t>
+            </a:r>
+          </a:p>
+          <a:p>
+            <a:pPr algn="l"/>
+            <a:endParaRPr lang="en-US" sz="2000" dirty="0">
+              <a:latin typeface="Söhne"/>
+            </a:endParaRPr>
+          </a:p>
+          <a:p>
+            <a:pPr algn="l"/>
+            <a:r>
+              <a:rPr lang="en-US" sz="2000" dirty="0">
+                <a:latin typeface="Söhne"/>
+              </a:rPr>
+              <a:t>3.</a:t>
+            </a:r>
+            <a:r>
+              <a:rPr lang="en-US" sz="2000" b="0" i="0" dirty="0">
+                <a:effectLst/>
+                <a:latin typeface="Söhne"/>
+              </a:rPr>
+              <a:t>NumPy (Numerical Python): NumPy is a fundamental package for numerical computing in Python. It provides support for multidimensional arrays, mathematical functions for array manipulation, linear algebra operations, Fourier transforms, random number generation</a:t>
+            </a:r>
+          </a:p>
+        </p:txBody>
+      </p:sp>
+      <p:sp>
+        <p:nvSpPr>
+          <p:cNvPr id="4" name="AutoShape 2" descr="redux-toolkit.webp (1920×1080)">
+            <a:extLst>
+              <a:ext uri="{FF2B5EF4-FFF2-40B4-BE49-F238E27FC236}">
+                <a16:creationId xmlns:a16="http://schemas.microsoft.com/office/drawing/2014/main" id="{9F3A0F66-0B06-C69F-4ACC-5DF8CFC7BEA8}"/>
+              </a:ext>
+            </a:extLst>
+          </p:cNvPr>
+          <p:cNvSpPr>
+            <a:spLocks noChangeAspect="1" noChangeArrowheads="1"/>
+          </p:cNvSpPr>
+          <p:nvPr/>
+        </p:nvSpPr>
+        <p:spPr bwMode="auto">
+          <a:xfrm>
+            <a:off x="4419600" y="3276600"/>
+            <a:ext cx="304800" cy="304800"/>
+          </a:xfrm>
+          <a:prstGeom prst="rect">
+            <a:avLst/>
+          </a:prstGeom>
+          <a:noFill/>
+          <a:extLst>
+            <a:ext uri="{909E8E84-426E-40DD-AFC4-6F175D3DCCD1}">
+              <a14:hiddenFill xmlns:a14="http://schemas.microsoft.com/office/drawing/2010/main">
+                <a:solidFill>
+                  <a:srgbClr val="FFFFFF"/>
+                </a:solidFill>
+              </a14:hiddenFill>
+            </a:ext>
+          </a:extLst>
+        </p:spPr>
+        <p:txBody>
+          <a:bodyPr vert="horz" wrap="square" lIns="91440" tIns="45720" rIns="91440" bIns="45720" numCol="1" anchor="t" anchorCtr="0" compatLnSpc="1">
+            <a:prstTxWarp prst="textNoShape">
+              <a:avLst/>
+            </a:prstTxWarp>
+          </a:bodyPr>
+          <a:lstStyle/>
+          <a:p>
+            <a:endParaRPr lang="en-US" dirty="0"/>
+          </a:p>
+        </p:txBody>
+      </p:sp>
+    </p:spTree>
+  </p:cSld>
+  <p:clrMapOvr>
+    <a:masterClrMapping/>
+  </p:clrMapOvr>
+  <p:transition advTm="4000">
+    <p:cut/>
+  </p:transition>
+</p:sld>
+</file>
+
+<file path=ppt/slides/slide6.xml><?xml version="1.0" encoding="utf-8"?>
+<p:sld xmlns:a="http://schemas.openxmlformats.org/drawingml/2006/main" xmlns:r="http://schemas.openxmlformats.org/officeDocument/2006/relationships" xmlns:p="http://schemas.openxmlformats.org/presentationml/2006/main">
+  <p:cSld>
+    <p:spTree>
+      <p:nvGrpSpPr>
+        <p:cNvPr id="1" name=""/>
+        <p:cNvGrpSpPr/>
+        <p:nvPr/>
+      </p:nvGrpSpPr>
+      <p:grpSpPr>
+        <a:xfrm>
+          <a:off x="0" y="0"/>
+          <a:ext cx="0" cy="0"/>
+          <a:chOff x="0" y="0"/>
+          <a:chExt cx="0" cy="0"/>
+        </a:xfrm>
+      </p:grpSpPr>
+      <p:sp>
+        <p:nvSpPr>
+          <p:cNvPr id="3" name="Subtitle 2">
+            <a:extLst>
+              <a:ext uri="{FF2B5EF4-FFF2-40B4-BE49-F238E27FC236}">
+                <a16:creationId xmlns:a16="http://schemas.microsoft.com/office/drawing/2014/main" id="{00CCADA1-030E-EC4D-2BA0-3D531F3047FF}"/>
+              </a:ext>
+            </a:extLst>
+          </p:cNvPr>
+          <p:cNvSpPr>
+            <a:spLocks noGrp="1"/>
+          </p:cNvSpPr>
+          <p:nvPr>
+            <p:ph type="subTitle" idx="1"/>
+          </p:nvPr>
+        </p:nvSpPr>
+        <p:spPr>
+          <a:xfrm>
+            <a:off x="0" y="914401"/>
+            <a:ext cx="8686800" cy="5181599"/>
+          </a:xfrm>
+        </p:spPr>
+        <p:txBody>
+          <a:bodyPr/>
+          <a:lstStyle/>
+          <a:p>
+            <a:pPr algn="l"/>
+            <a:r>
+              <a:rPr lang="en-US" sz="2400" b="0" i="0" dirty="0">
+                <a:solidFill>
+                  <a:schemeClr val="tx1"/>
+                </a:solidFill>
+                <a:effectLst/>
+                <a:latin typeface="Söhne"/>
+              </a:rPr>
+              <a:t>4.Seaborn: Seaborn is a statistical data visualization library built on top of Matplotlib. It provides a high-level interface for creating attractive and informative statistical graphics. Seaborn simplifies the process of creating complex visualizations such as heatmaps, violin plots, pair plots, and categorical plots. </a:t>
+            </a:r>
+            <a:endParaRPr lang="en-US" sz="2400" dirty="0">
+              <a:solidFill>
+                <a:schemeClr val="tx1"/>
+              </a:solidFill>
+              <a:latin typeface="Times New Roman" panose="02020603050405020304" pitchFamily="18" charset="0"/>
+              <a:cs typeface="Times New Roman" panose="02020603050405020304" pitchFamily="18" charset="0"/>
+            </a:endParaRPr>
+          </a:p>
+          <a:p>
+            <a:pPr algn="l"/>
+            <a:endParaRPr lang="en-US" sz="3200" b="0" i="0" dirty="0">
+              <a:solidFill>
+                <a:schemeClr val="tx1"/>
+              </a:solidFill>
+              <a:effectLst/>
+              <a:latin typeface="Söhne"/>
+            </a:endParaRPr>
+          </a:p>
+          <a:p>
+            <a:pPr algn="l"/>
+            <a:r>
+              <a:rPr lang="en-US" sz="2400" b="0" i="0" dirty="0">
+                <a:solidFill>
+                  <a:schemeClr val="tx1"/>
+                </a:solidFill>
+                <a:effectLst/>
+                <a:latin typeface="Söhne"/>
+              </a:rPr>
+              <a:t>5.Pandas: Pandas is a powerful data manipulation and analysis library for Python. It provides data structures and functions for working with structured data, including labeled arrays (</a:t>
+            </a:r>
+            <a:r>
+              <a:rPr lang="en-US" sz="2400" b="0" i="0" dirty="0" err="1">
+                <a:solidFill>
+                  <a:schemeClr val="tx1"/>
+                </a:solidFill>
+                <a:effectLst/>
+                <a:latin typeface="Söhne"/>
+              </a:rPr>
+              <a:t>DataFrames</a:t>
+            </a:r>
+            <a:r>
+              <a:rPr lang="en-US" sz="2400" b="0" i="0" dirty="0">
+                <a:solidFill>
+                  <a:schemeClr val="tx1"/>
+                </a:solidFill>
+                <a:effectLst/>
+                <a:latin typeface="Söhne"/>
+              </a:rPr>
+              <a:t>) and labeled one-dimensional arrays (Series).</a:t>
+            </a:r>
+            <a:endParaRPr lang="en-IN" sz="2400" dirty="0">
+              <a:solidFill>
+                <a:schemeClr val="tx1"/>
+              </a:solidFill>
+            </a:endParaRPr>
+          </a:p>
+        </p:txBody>
+      </p:sp>
+    </p:spTree>
+    <p:extLst>
+      <p:ext uri="{BB962C8B-B14F-4D97-AF65-F5344CB8AC3E}">
+        <p14:creationId xmlns:p14="http://schemas.microsoft.com/office/powerpoint/2010/main" val="265919223"/>
+      </p:ext>
+    </p:extLst>
+  </p:cSld>
+  <p:clrMapOvr>
+    <a:masterClrMapping/>
+  </p:clrMapOvr>
+  <p:transition advTm="4000">
+    <p:cut/>
+  </p:transition>
+</p:sld>
+</file>
+
+<file path=ppt/slides/slide7.xml><?xml version="1.0" encoding="utf-8"?>
+<p:sld xmlns:a="http://schemas.openxmlformats.org/drawingml/2006/main" xmlns:r="http://schemas.openxmlformats.org/officeDocument/2006/relationships" xmlns:p="http://schemas.openxmlformats.org/presentationml/2006/main">
+  <p:cSld>
+    <p:spTree>
+      <p:nvGrpSpPr>
+        <p:cNvPr id="1" name=""/>
+        <p:cNvGrpSpPr/>
+        <p:nvPr/>
+      </p:nvGrpSpPr>
+      <p:grpSpPr>
+        <a:xfrm>
+          <a:off x="0" y="0"/>
+          <a:ext cx="0" cy="0"/>
+          <a:chOff x="0" y="0"/>
+          <a:chExt cx="0" cy="0"/>
+        </a:xfrm>
+      </p:grpSpPr>
+      <p:sp>
+        <p:nvSpPr>
+          <p:cNvPr id="2" name="TextBox 1"/>
+          <p:cNvSpPr txBox="1"/>
+          <p:nvPr/>
+        </p:nvSpPr>
+        <p:spPr>
+          <a:xfrm>
+            <a:off x="467544" y="260648"/>
+            <a:ext cx="5400600" cy="584775"/>
+          </a:xfrm>
+          <a:prstGeom prst="rect">
+            <a:avLst/>
+          </a:prstGeom>
+          <a:noFill/>
+        </p:spPr>
+        <p:txBody>
+          <a:bodyPr wrap="square" rtlCol="0">
+            <a:spAutoFit/>
+          </a:bodyPr>
+          <a:lstStyle/>
+          <a:p>
+            <a:r>
+              <a:rPr lang="en-US" sz="3200" dirty="0">
+                <a:latin typeface="Times New Roman" panose="02020603050405020304" pitchFamily="18" charset="0"/>
+                <a:cs typeface="Times New Roman" panose="02020603050405020304" pitchFamily="18" charset="0"/>
+              </a:rPr>
+              <a:t>Key Features</a:t>
+            </a:r>
+          </a:p>
+        </p:txBody>
+      </p:sp>
+      <p:sp>
+        <p:nvSpPr>
+          <p:cNvPr id="3" name="Rectangle 2"/>
+          <p:cNvSpPr/>
+          <p:nvPr/>
+        </p:nvSpPr>
+        <p:spPr>
+          <a:xfrm>
+            <a:off x="0" y="845424"/>
+            <a:ext cx="8460432" cy="5693866"/>
+          </a:xfrm>
+          <a:prstGeom prst="rect">
+            <a:avLst/>
+          </a:prstGeom>
+        </p:spPr>
+        <p:txBody>
+          <a:bodyPr wrap="square">
+            <a:spAutoFit/>
+          </a:bodyPr>
+          <a:lstStyle/>
+          <a:p>
+            <a:pPr marL="514350" indent="-514350" algn="just">
+              <a:buAutoNum type="arabicPeriod"/>
+            </a:pPr>
+            <a:r>
+              <a:rPr lang="en-US" sz="2400" dirty="0">
+                <a:latin typeface="Times New Roman" panose="02020603050405020304" pitchFamily="18" charset="0"/>
+                <a:cs typeface="Times New Roman" panose="02020603050405020304" pitchFamily="18" charset="0"/>
+              </a:rPr>
+              <a:t>Organise a collection of images that is diverse and clearly labels well-known faces from less-known ones. </a:t>
+            </a:r>
+          </a:p>
+          <a:p>
+            <a:pPr marL="514350" indent="-514350" algn="just">
+              <a:buAutoNum type="arabicPeriod"/>
+            </a:pPr>
+            <a:endParaRPr lang="en-US" sz="2400" dirty="0">
+              <a:latin typeface="Times New Roman" panose="02020603050405020304" pitchFamily="18" charset="0"/>
+              <a:cs typeface="Times New Roman" panose="02020603050405020304" pitchFamily="18" charset="0"/>
+            </a:endParaRPr>
+          </a:p>
+          <a:p>
+            <a:pPr marL="514350" indent="-514350" algn="just">
+              <a:buAutoNum type="arabicPeriod"/>
+            </a:pPr>
+            <a:r>
+              <a:rPr lang="en-US" sz="2400" dirty="0">
+                <a:latin typeface="Times New Roman" panose="02020603050405020304" pitchFamily="18" charset="0"/>
+                <a:cs typeface="Times New Roman" panose="02020603050405020304" pitchFamily="18" charset="0"/>
+              </a:rPr>
+              <a:t>To increase model generalisation, preprocess photos using scaling, normalisation, and improvements.</a:t>
+            </a:r>
+          </a:p>
+          <a:p>
+            <a:pPr marL="514350" indent="-514350" algn="just">
+              <a:buAutoNum type="arabicPeriod"/>
+            </a:pPr>
+            <a:endParaRPr lang="en-US" sz="2400" dirty="0">
+              <a:latin typeface="Times New Roman" panose="02020603050405020304" pitchFamily="18" charset="0"/>
+              <a:cs typeface="Times New Roman" panose="02020603050405020304" pitchFamily="18" charset="0"/>
+            </a:endParaRPr>
+          </a:p>
+          <a:p>
+            <a:pPr marL="514350" indent="-514350" algn="just">
+              <a:buAutoNum type="arabicPeriod"/>
+            </a:pPr>
+            <a:r>
+              <a:rPr lang="en-US" sz="2400" dirty="0">
+                <a:latin typeface="Times New Roman" panose="02020603050405020304" pitchFamily="18" charset="0"/>
+                <a:cs typeface="Times New Roman" panose="02020603050405020304" pitchFamily="18" charset="0"/>
+              </a:rPr>
+              <a:t>Utilising preprocessed data, train the model and tweak its hyperparameters to improve face detection precision. For efficient celebrity face identification, assess model performance using measures like as accuracy, precision, recall, and F1-score. </a:t>
+            </a:r>
+          </a:p>
+          <a:p>
+            <a:pPr marL="514350" indent="-514350" algn="just">
+              <a:buAutoNum type="arabicPeriod"/>
+            </a:pPr>
+            <a:endParaRPr lang="en-US" sz="2400" dirty="0">
+              <a:latin typeface="Times New Roman" panose="02020603050405020304" pitchFamily="18" charset="0"/>
+              <a:cs typeface="Times New Roman" panose="02020603050405020304" pitchFamily="18" charset="0"/>
+            </a:endParaRPr>
+          </a:p>
+          <a:p>
+            <a:pPr marL="514350" indent="-514350" algn="just">
+              <a:buAutoNum type="arabicPeriod"/>
+            </a:pPr>
+            <a:r>
+              <a:rPr lang="en-US" sz="2400" dirty="0">
+                <a:latin typeface="Times New Roman" panose="02020603050405020304" pitchFamily="18" charset="0"/>
+                <a:cs typeface="Times New Roman" panose="02020603050405020304" pitchFamily="18" charset="0"/>
+              </a:rPr>
+              <a:t>In order to retain accuracy in real-world applications and adjust the model to changing picture properties, implement continuous monitoring and updates</a:t>
+            </a:r>
+            <a:r>
+              <a:rPr lang="en-US" sz="2800" dirty="0">
+                <a:latin typeface="Times New Roman" panose="02020603050405020304" pitchFamily="18" charset="0"/>
+                <a:cs typeface="Times New Roman" panose="02020603050405020304" pitchFamily="18" charset="0"/>
+              </a:rPr>
+              <a:t>.</a:t>
+            </a:r>
+          </a:p>
+        </p:txBody>
+      </p:sp>
+    </p:spTree>
+  </p:cSld>
+  <p:clrMapOvr>
+    <a:masterClrMapping/>
+  </p:clrMapOvr>
+  <p:transition advTm="4000">
+    <p:cut/>
+  </p:transition>
+</p:sld>
+</file>
+
+<file path=ppt/slides/slide8.xml><?xml version="1.0" encoding="utf-8"?>
+<p:sld xmlns:a="http://schemas.openxmlformats.org/drawingml/2006/main" xmlns:r="http://schemas.openxmlformats.org/officeDocument/2006/relationships" xmlns:p="http://schemas.openxmlformats.org/presentationml/2006/main">
+  <p:cSld>
+    <p:spTree>
+      <p:nvGrpSpPr>
+        <p:cNvPr id="1" name=""/>
+        <p:cNvGrpSpPr/>
+        <p:nvPr/>
+      </p:nvGrpSpPr>
+      <p:grpSpPr>
+        <a:xfrm>
+          <a:off x="0" y="0"/>
+          <a:ext cx="0" cy="0"/>
+          <a:chOff x="0" y="0"/>
+          <a:chExt cx="0" cy="0"/>
+        </a:xfrm>
+      </p:grpSpPr>
+      <p:sp>
+        <p:nvSpPr>
+          <p:cNvPr id="2" name="Title 1">
+            <a:extLst>
+              <a:ext uri="{FF2B5EF4-FFF2-40B4-BE49-F238E27FC236}">
+                <a16:creationId xmlns:a16="http://schemas.microsoft.com/office/drawing/2014/main" id="{295F1C49-99DB-1EE1-575B-CFADCB6BA143}"/>
+              </a:ext>
+            </a:extLst>
+          </p:cNvPr>
+          <p:cNvSpPr>
+            <a:spLocks noGrp="1"/>
+          </p:cNvSpPr>
+          <p:nvPr>
+            <p:ph type="ctrTitle"/>
+          </p:nvPr>
+        </p:nvSpPr>
+        <p:spPr>
+          <a:xfrm>
+            <a:off x="0" y="0"/>
+            <a:ext cx="4427984" cy="764704"/>
+          </a:xfrm>
+        </p:spPr>
+        <p:txBody>
+          <a:bodyPr/>
+          <a:lstStyle/>
+          <a:p>
+            <a:pPr algn="l"/>
+            <a:r>
+              <a:rPr lang="en-US" dirty="0"/>
+              <a:t>   Project Highlights</a:t>
+            </a:r>
+          </a:p>
+        </p:txBody>
+      </p:sp>
+      <p:sp>
+        <p:nvSpPr>
+          <p:cNvPr id="3" name="Subtitle 2">
+            <a:extLst>
+              <a:ext uri="{FF2B5EF4-FFF2-40B4-BE49-F238E27FC236}">
+                <a16:creationId xmlns:a16="http://schemas.microsoft.com/office/drawing/2014/main" id="{B13F68D3-CDD2-CDB5-9D3E-083B8C953F85}"/>
+              </a:ext>
+            </a:extLst>
+          </p:cNvPr>
+          <p:cNvSpPr>
+            <a:spLocks noGrp="1"/>
+          </p:cNvSpPr>
+          <p:nvPr>
+            <p:ph type="subTitle" idx="1"/>
+          </p:nvPr>
+        </p:nvSpPr>
+        <p:spPr>
+          <a:xfrm>
+            <a:off x="6012160" y="1371600"/>
+            <a:ext cx="2674640" cy="833264"/>
+          </a:xfrm>
+        </p:spPr>
+        <p:txBody>
+          <a:bodyPr/>
+          <a:lstStyle/>
+          <a:p>
+            <a:endParaRPr lang="en-US" dirty="0"/>
+          </a:p>
+        </p:txBody>
+      </p:sp>
+      <p:pic>
+        <p:nvPicPr>
+          <p:cNvPr id="10" name="Picture 9">
+            <a:extLst>
+              <a:ext uri="{FF2B5EF4-FFF2-40B4-BE49-F238E27FC236}">
+                <a16:creationId xmlns:a16="http://schemas.microsoft.com/office/drawing/2014/main" id="{62B84DD4-BE24-EF39-D812-E04FD9D2B1ED}"/>
+              </a:ext>
+            </a:extLst>
+          </p:cNvPr>
+          <p:cNvPicPr>
+            <a:picLocks noChangeAspect="1"/>
+          </p:cNvPicPr>
+          <p:nvPr/>
+        </p:nvPicPr>
+        <p:blipFill rotWithShape="1">
+          <a:blip r:embed="rId2">
+            <a:extLst>
+              <a:ext uri="{28A0092B-C50C-407E-A947-70E740481C1C}">
+                <a14:useLocalDpi xmlns:a14="http://schemas.microsoft.com/office/drawing/2010/main" val="0"/>
+              </a:ext>
+            </a:extLst>
+          </a:blip>
+          <a:srcRect b="6119"/>
+          <a:stretch/>
+        </p:blipFill>
+        <p:spPr>
+          <a:xfrm>
+            <a:off x="0" y="764704"/>
+            <a:ext cx="9144000" cy="5616624"/>
+          </a:xfrm>
+          <a:prstGeom prst="rect">
+            <a:avLst/>
+          </a:prstGeom>
+        </p:spPr>
+      </p:pic>
+    </p:spTree>
+    <p:extLst>
+      <p:ext uri="{BB962C8B-B14F-4D97-AF65-F5344CB8AC3E}">
+        <p14:creationId xmlns:p14="http://schemas.microsoft.com/office/powerpoint/2010/main" val="3146140689"/>
+      </p:ext>
+    </p:extLst>
+  </p:cSld>
+  <p:clrMapOvr>
+    <a:masterClrMapping/>
+  </p:clrMapOvr>
+  <p:transition advTm="4000">
+    <p:cut/>
+  </p:transition>
+</p:sld>
+</file>
+
+<file path=ppt/slides/slide9.xml><?xml version="1.0" encoding="utf-8"?>
 <p:sld xmlns:a="http://schemas.openxmlformats.org/drawingml/2006/main" xmlns:r="http://schemas.openxmlformats.org/officeDocument/2006/relationships" xmlns:p="http://schemas.openxmlformats.org/presentationml/2006/main">
   <p:cSld>
     <p:spTree>
@@ -2162,1394 +3466,6 @@
     <p:extLst>
       <p:ext uri="{BB962C8B-B14F-4D97-AF65-F5344CB8AC3E}">
         <p14:creationId xmlns:p14="http://schemas.microsoft.com/office/powerpoint/2010/main" val="3602125690"/>
-      </p:ext>
-    </p:extLst>
-  </p:cSld>
-  <p:clrMapOvr>
-    <a:masterClrMapping/>
-  </p:clrMapOvr>
-  <p:transition advTm="4000">
-    <p:cut/>
-  </p:transition>
-</p:sld>
-</file>
-
-<file path=ppt/slides/slide11.xml><?xml version="1.0" encoding="utf-8"?>
-<p:sld xmlns:a="http://schemas.openxmlformats.org/drawingml/2006/main" xmlns:r="http://schemas.openxmlformats.org/officeDocument/2006/relationships" xmlns:p="http://schemas.openxmlformats.org/presentationml/2006/main">
-  <p:cSld>
-    <p:spTree>
-      <p:nvGrpSpPr>
-        <p:cNvPr id="1" name=""/>
-        <p:cNvGrpSpPr/>
-        <p:nvPr/>
-      </p:nvGrpSpPr>
-      <p:grpSpPr>
-        <a:xfrm>
-          <a:off x="0" y="0"/>
-          <a:ext cx="0" cy="0"/>
-          <a:chOff x="0" y="0"/>
-          <a:chExt cx="0" cy="0"/>
-        </a:xfrm>
-      </p:grpSpPr>
-      <p:sp>
-        <p:nvSpPr>
-          <p:cNvPr id="2" name="Title 1">
-            <a:extLst>
-              <a:ext uri="{FF2B5EF4-FFF2-40B4-BE49-F238E27FC236}">
-                <a16:creationId xmlns:a16="http://schemas.microsoft.com/office/drawing/2014/main" id="{28C62C3F-A066-9701-0E02-2686C4739624}"/>
-              </a:ext>
-            </a:extLst>
-          </p:cNvPr>
-          <p:cNvSpPr>
-            <a:spLocks noGrp="1"/>
-          </p:cNvSpPr>
-          <p:nvPr>
-            <p:ph type="title"/>
-          </p:nvPr>
-        </p:nvSpPr>
-        <p:spPr>
-          <a:xfrm>
-            <a:off x="-2038672" y="0"/>
-            <a:ext cx="6477000" cy="838200"/>
-          </a:xfrm>
-        </p:spPr>
-        <p:txBody>
-          <a:bodyPr/>
-          <a:lstStyle/>
-          <a:p>
-            <a:r>
-              <a:rPr lang="en-US" b="1" dirty="0"/>
-              <a:t>Highlights</a:t>
-            </a:r>
-          </a:p>
-        </p:txBody>
-      </p:sp>
-      <p:pic>
-        <p:nvPicPr>
-          <p:cNvPr id="8" name="Content Placeholder 7">
-            <a:extLst>
-              <a:ext uri="{FF2B5EF4-FFF2-40B4-BE49-F238E27FC236}">
-                <a16:creationId xmlns:a16="http://schemas.microsoft.com/office/drawing/2014/main" id="{8F2B10A5-5D22-2D17-EBDF-5DC7A44C82BC}"/>
-              </a:ext>
-            </a:extLst>
-          </p:cNvPr>
-          <p:cNvPicPr>
-            <a:picLocks noGrp="1" noChangeAspect="1"/>
-          </p:cNvPicPr>
-          <p:nvPr>
-            <p:ph idx="1"/>
-          </p:nvPr>
-        </p:nvPicPr>
-        <p:blipFill>
-          <a:blip r:embed="rId2">
-            <a:extLst>
-              <a:ext uri="{28A0092B-C50C-407E-A947-70E740481C1C}">
-                <a14:useLocalDpi xmlns:a14="http://schemas.microsoft.com/office/drawing/2010/main" val="0"/>
-              </a:ext>
-            </a:extLst>
-          </a:blip>
-          <a:stretch>
-            <a:fillRect/>
-          </a:stretch>
-        </p:blipFill>
-        <p:spPr>
-          <a:xfrm>
-            <a:off x="0" y="838200"/>
-            <a:ext cx="9144000" cy="5831160"/>
-          </a:xfrm>
-        </p:spPr>
-      </p:pic>
-    </p:spTree>
-    <p:extLst>
-      <p:ext uri="{BB962C8B-B14F-4D97-AF65-F5344CB8AC3E}">
-        <p14:creationId xmlns:p14="http://schemas.microsoft.com/office/powerpoint/2010/main" val="3722812565"/>
-      </p:ext>
-    </p:extLst>
-  </p:cSld>
-  <p:clrMapOvr>
-    <a:masterClrMapping/>
-  </p:clrMapOvr>
-  <p:transition advTm="4000">
-    <p:cut/>
-  </p:transition>
-</p:sld>
-</file>
-
-<file path=ppt/slides/slide12.xml><?xml version="1.0" encoding="utf-8"?>
-<p:sld xmlns:a="http://schemas.openxmlformats.org/drawingml/2006/main" xmlns:r="http://schemas.openxmlformats.org/officeDocument/2006/relationships" xmlns:p="http://schemas.openxmlformats.org/presentationml/2006/main">
-  <p:cSld>
-    <p:spTree>
-      <p:nvGrpSpPr>
-        <p:cNvPr id="1" name=""/>
-        <p:cNvGrpSpPr/>
-        <p:nvPr/>
-      </p:nvGrpSpPr>
-      <p:grpSpPr>
-        <a:xfrm>
-          <a:off x="0" y="0"/>
-          <a:ext cx="0" cy="0"/>
-          <a:chOff x="0" y="0"/>
-          <a:chExt cx="0" cy="0"/>
-        </a:xfrm>
-      </p:grpSpPr>
-      <p:sp>
-        <p:nvSpPr>
-          <p:cNvPr id="1028" name="AutoShape 4" descr="Download The Best Thank You Slide For PPT Presentation"/>
-          <p:cNvSpPr>
-            <a:spLocks noChangeAspect="1" noChangeArrowheads="1"/>
-          </p:cNvSpPr>
-          <p:nvPr/>
-        </p:nvSpPr>
-        <p:spPr bwMode="auto">
-          <a:xfrm>
-            <a:off x="155575" y="-144463"/>
-            <a:ext cx="304800" cy="304801"/>
-          </a:xfrm>
-          <a:prstGeom prst="rect">
-            <a:avLst/>
-          </a:prstGeom>
-          <a:noFill/>
-        </p:spPr>
-        <p:txBody>
-          <a:bodyPr vert="horz" wrap="square" lIns="91440" tIns="45720" rIns="91440" bIns="45720" numCol="1" anchor="t" anchorCtr="0" compatLnSpc="1"/>
-          <a:lstStyle/>
-          <a:p>
-            <a:endParaRPr lang="en-US" dirty="0"/>
-          </a:p>
-        </p:txBody>
-      </p:sp>
-      <p:sp>
-        <p:nvSpPr>
-          <p:cNvPr id="1030" name="AutoShape 6" descr="Download The Best Thank You Slide For PPT Presentation"/>
-          <p:cNvSpPr>
-            <a:spLocks noChangeAspect="1" noChangeArrowheads="1"/>
-          </p:cNvSpPr>
-          <p:nvPr/>
-        </p:nvSpPr>
-        <p:spPr bwMode="auto">
-          <a:xfrm>
-            <a:off x="155575" y="-144463"/>
-            <a:ext cx="304800" cy="304801"/>
-          </a:xfrm>
-          <a:prstGeom prst="rect">
-            <a:avLst/>
-          </a:prstGeom>
-          <a:noFill/>
-        </p:spPr>
-        <p:txBody>
-          <a:bodyPr vert="horz" wrap="square" lIns="91440" tIns="45720" rIns="91440" bIns="45720" numCol="1" anchor="t" anchorCtr="0" compatLnSpc="1"/>
-          <a:lstStyle/>
-          <a:p>
-            <a:endParaRPr lang="en-US" dirty="0"/>
-          </a:p>
-        </p:txBody>
-      </p:sp>
-      <p:sp>
-        <p:nvSpPr>
-          <p:cNvPr id="1032" name="AutoShape 8" descr="Download The Best Thank You Slide For PPT Presentation"/>
-          <p:cNvSpPr>
-            <a:spLocks noChangeAspect="1" noChangeArrowheads="1"/>
-          </p:cNvSpPr>
-          <p:nvPr/>
-        </p:nvSpPr>
-        <p:spPr bwMode="auto">
-          <a:xfrm>
-            <a:off x="155575" y="-144463"/>
-            <a:ext cx="304800" cy="304801"/>
-          </a:xfrm>
-          <a:prstGeom prst="rect">
-            <a:avLst/>
-          </a:prstGeom>
-          <a:noFill/>
-        </p:spPr>
-        <p:txBody>
-          <a:bodyPr vert="horz" wrap="square" lIns="91440" tIns="45720" rIns="91440" bIns="45720" numCol="1" anchor="t" anchorCtr="0" compatLnSpc="1"/>
-          <a:lstStyle/>
-          <a:p>
-            <a:endParaRPr lang="en-US" dirty="0"/>
-          </a:p>
-        </p:txBody>
-      </p:sp>
-      <p:pic>
-        <p:nvPicPr>
-          <p:cNvPr id="2" name="Picture 1">
-            <a:extLst>
-              <a:ext uri="{FF2B5EF4-FFF2-40B4-BE49-F238E27FC236}">
-                <a16:creationId xmlns:a16="http://schemas.microsoft.com/office/drawing/2014/main" id="{F9536C17-A026-6E06-9020-F19AA2CBC6FB}"/>
-              </a:ext>
-            </a:extLst>
-          </p:cNvPr>
-          <p:cNvPicPr>
-            <a:picLocks noChangeAspect="1"/>
-          </p:cNvPicPr>
-          <p:nvPr/>
-        </p:nvPicPr>
-        <p:blipFill>
-          <a:blip r:embed="rId2" cstate="print">
-            <a:extLst>
-              <a:ext uri="{28A0092B-C50C-407E-A947-70E740481C1C}">
-                <a14:useLocalDpi xmlns:a14="http://schemas.microsoft.com/office/drawing/2010/main" val="0"/>
-              </a:ext>
-            </a:extLst>
-          </a:blip>
-          <a:stretch>
-            <a:fillRect/>
-          </a:stretch>
-        </p:blipFill>
-        <p:spPr>
-          <a:xfrm>
-            <a:off x="0" y="836712"/>
-            <a:ext cx="9144000" cy="5832648"/>
-          </a:xfrm>
-          <a:prstGeom prst="rect">
-            <a:avLst/>
-          </a:prstGeom>
-        </p:spPr>
-      </p:pic>
-    </p:spTree>
-  </p:cSld>
-  <p:clrMapOvr>
-    <a:masterClrMapping/>
-  </p:clrMapOvr>
-  <p:transition advTm="4000">
-    <p:cut/>
-  </p:transition>
-</p:sld>
-</file>
-
-<file path=ppt/slides/slide2.xml><?xml version="1.0" encoding="utf-8"?>
-<p:sld xmlns:a="http://schemas.openxmlformats.org/drawingml/2006/main" xmlns:r="http://schemas.openxmlformats.org/officeDocument/2006/relationships" xmlns:p="http://schemas.openxmlformats.org/presentationml/2006/main">
-  <p:cSld>
-    <p:spTree>
-      <p:nvGrpSpPr>
-        <p:cNvPr id="1" name=""/>
-        <p:cNvGrpSpPr/>
-        <p:nvPr/>
-      </p:nvGrpSpPr>
-      <p:grpSpPr>
-        <a:xfrm>
-          <a:off x="0" y="0"/>
-          <a:ext cx="0" cy="0"/>
-          <a:chOff x="0" y="0"/>
-          <a:chExt cx="0" cy="0"/>
-        </a:xfrm>
-      </p:grpSpPr>
-      <p:sp>
-        <p:nvSpPr>
-          <p:cNvPr id="2" name="TextBox 1"/>
-          <p:cNvSpPr txBox="1"/>
-          <p:nvPr/>
-        </p:nvSpPr>
-        <p:spPr>
-          <a:xfrm>
-            <a:off x="467544" y="260648"/>
-            <a:ext cx="5400600" cy="584775"/>
-          </a:xfrm>
-          <a:prstGeom prst="rect">
-            <a:avLst/>
-          </a:prstGeom>
-          <a:noFill/>
-        </p:spPr>
-        <p:txBody>
-          <a:bodyPr wrap="square" rtlCol="0">
-            <a:spAutoFit/>
-          </a:bodyPr>
-          <a:lstStyle/>
-          <a:p>
-            <a:r>
-              <a:rPr lang="en-US" sz="3200" b="1" dirty="0">
-                <a:latin typeface="Times New Roman" panose="02020603050405020304" pitchFamily="18" charset="0"/>
-                <a:cs typeface="Times New Roman" panose="02020603050405020304" pitchFamily="18" charset="0"/>
-              </a:rPr>
-              <a:t>Table of Contents</a:t>
-            </a:r>
-            <a:endParaRPr lang="en-US" b="1" dirty="0">
-              <a:latin typeface="Times New Roman" panose="02020603050405020304" pitchFamily="18" charset="0"/>
-              <a:cs typeface="Times New Roman" panose="02020603050405020304" pitchFamily="18" charset="0"/>
-            </a:endParaRPr>
-          </a:p>
-        </p:txBody>
-      </p:sp>
-      <p:sp>
-        <p:nvSpPr>
-          <p:cNvPr id="3" name="TextBox 2"/>
-          <p:cNvSpPr txBox="1"/>
-          <p:nvPr/>
-        </p:nvSpPr>
-        <p:spPr>
-          <a:xfrm>
-            <a:off x="238125" y="980728"/>
-            <a:ext cx="8667750" cy="5601533"/>
-          </a:xfrm>
-          <a:prstGeom prst="rect">
-            <a:avLst/>
-          </a:prstGeom>
-          <a:noFill/>
-        </p:spPr>
-        <p:txBody>
-          <a:bodyPr wrap="square" rtlCol="0">
-            <a:spAutoFit/>
-          </a:bodyPr>
-          <a:lstStyle/>
-          <a:p>
-            <a:pPr algn="just">
-              <a:lnSpc>
-                <a:spcPct val="150000"/>
-              </a:lnSpc>
-              <a:buFont typeface="Arial" panose="020B0604020202020204" pitchFamily="34" charset="0"/>
-              <a:buChar char="•"/>
-            </a:pPr>
-            <a:r>
-              <a:rPr lang="en-US" sz="2800" dirty="0">
-                <a:latin typeface="Times New Roman" panose="02020603050405020304" pitchFamily="18" charset="0"/>
-                <a:cs typeface="Times New Roman" panose="02020603050405020304" pitchFamily="18" charset="0"/>
-              </a:rPr>
-              <a:t>Introduction</a:t>
-            </a:r>
-          </a:p>
-          <a:p>
-            <a:pPr>
-              <a:lnSpc>
-                <a:spcPct val="150000"/>
-              </a:lnSpc>
-              <a:buFont typeface="Arial" panose="020B0604020202020204" pitchFamily="34" charset="0"/>
-              <a:buChar char="•"/>
-            </a:pPr>
-            <a:r>
-              <a:rPr lang="en-US" sz="2800" dirty="0">
-                <a:latin typeface="Times New Roman" panose="02020603050405020304" pitchFamily="18" charset="0"/>
-                <a:cs typeface="Times New Roman" panose="02020603050405020304" pitchFamily="18" charset="0"/>
-              </a:rPr>
-              <a:t>Problem Statement</a:t>
-            </a:r>
-          </a:p>
-          <a:p>
-            <a:pPr>
-              <a:lnSpc>
-                <a:spcPct val="150000"/>
-              </a:lnSpc>
-              <a:buFont typeface="Arial" panose="020B0604020202020204" pitchFamily="34" charset="0"/>
-              <a:buChar char="•"/>
-            </a:pPr>
-            <a:r>
-              <a:rPr lang="en-US" sz="2800" dirty="0">
-                <a:latin typeface="Times New Roman" panose="02020603050405020304" pitchFamily="18" charset="0"/>
-                <a:cs typeface="Times New Roman" panose="02020603050405020304" pitchFamily="18" charset="0"/>
-              </a:rPr>
-              <a:t>Technical Details</a:t>
-            </a:r>
-          </a:p>
-          <a:p>
-            <a:pPr>
-              <a:lnSpc>
-                <a:spcPct val="150000"/>
-              </a:lnSpc>
-              <a:buFont typeface="Arial" panose="020B0604020202020204" pitchFamily="34" charset="0"/>
-              <a:buChar char="•"/>
-            </a:pPr>
-            <a:r>
-              <a:rPr lang="en-US" sz="2800" dirty="0">
-                <a:latin typeface="Times New Roman" panose="02020603050405020304" pitchFamily="18" charset="0"/>
-                <a:cs typeface="Times New Roman" panose="02020603050405020304" pitchFamily="18" charset="0"/>
-              </a:rPr>
-              <a:t>Key Features </a:t>
-            </a:r>
-          </a:p>
-          <a:p>
-            <a:pPr>
-              <a:lnSpc>
-                <a:spcPct val="150000"/>
-              </a:lnSpc>
-              <a:buFont typeface="Arial" panose="020B0604020202020204" pitchFamily="34" charset="0"/>
-              <a:buChar char="•"/>
-            </a:pPr>
-            <a:r>
-              <a:rPr lang="en-US" sz="2800" dirty="0">
-                <a:latin typeface="Times New Roman" panose="02020603050405020304" pitchFamily="18" charset="0"/>
-                <a:cs typeface="Times New Roman" panose="02020603050405020304" pitchFamily="18" charset="0"/>
-              </a:rPr>
-              <a:t>Project Highlights</a:t>
-            </a:r>
-          </a:p>
-          <a:p>
-            <a:pPr>
-              <a:lnSpc>
-                <a:spcPct val="150000"/>
-              </a:lnSpc>
-              <a:buFont typeface="Arial" panose="020B0604020202020204" pitchFamily="34" charset="0"/>
-              <a:buChar char="•"/>
-            </a:pPr>
-            <a:r>
-              <a:rPr lang="en-US" sz="2800" dirty="0">
-                <a:latin typeface="Times New Roman" panose="02020603050405020304" pitchFamily="18" charset="0"/>
-                <a:cs typeface="Times New Roman" panose="02020603050405020304" pitchFamily="18" charset="0"/>
-              </a:rPr>
-              <a:t>Conclusion</a:t>
-            </a:r>
-          </a:p>
-          <a:p>
-            <a:pPr>
-              <a:lnSpc>
-                <a:spcPct val="150000"/>
-              </a:lnSpc>
-              <a:buFont typeface="Arial" panose="020B0604020202020204" pitchFamily="34" charset="0"/>
-              <a:buChar char="•"/>
-            </a:pPr>
-            <a:r>
-              <a:rPr lang="en-US" sz="2800" dirty="0">
-                <a:latin typeface="Times New Roman" panose="02020603050405020304" pitchFamily="18" charset="0"/>
-                <a:cs typeface="Times New Roman" panose="02020603050405020304" pitchFamily="18" charset="0"/>
-              </a:rPr>
-              <a:t>References/Links used</a:t>
-            </a:r>
-          </a:p>
-          <a:p>
-            <a:pPr>
-              <a:buFont typeface="Arial" panose="020B0604020202020204" pitchFamily="34" charset="0"/>
-              <a:buChar char="•"/>
-            </a:pPr>
-            <a:endParaRPr lang="en-US" sz="3200" dirty="0">
-              <a:latin typeface="Times New Roman" panose="02020603050405020304" pitchFamily="18" charset="0"/>
-              <a:cs typeface="Times New Roman" panose="02020603050405020304" pitchFamily="18" charset="0"/>
-            </a:endParaRPr>
-          </a:p>
-          <a:p>
-            <a:pPr>
-              <a:buFont typeface="Arial" panose="020B0604020202020204" pitchFamily="34" charset="0"/>
-              <a:buChar char="•"/>
-            </a:pPr>
-            <a:endParaRPr lang="en-US" sz="3200" dirty="0">
-              <a:latin typeface="Times New Roman" panose="02020603050405020304" pitchFamily="18" charset="0"/>
-              <a:cs typeface="Times New Roman" panose="02020603050405020304" pitchFamily="18" charset="0"/>
-            </a:endParaRPr>
-          </a:p>
-        </p:txBody>
-      </p:sp>
-    </p:spTree>
-  </p:cSld>
-  <p:clrMapOvr>
-    <a:masterClrMapping/>
-  </p:clrMapOvr>
-  <p:transition advTm="4000">
-    <p:cut/>
-  </p:transition>
-</p:sld>
-</file>
-
-<file path=ppt/slides/slide3.xml><?xml version="1.0" encoding="utf-8"?>
-<p:sld xmlns:a="http://schemas.openxmlformats.org/drawingml/2006/main" xmlns:r="http://schemas.openxmlformats.org/officeDocument/2006/relationships" xmlns:p="http://schemas.openxmlformats.org/presentationml/2006/main">
-  <p:cSld>
-    <p:spTree>
-      <p:nvGrpSpPr>
-        <p:cNvPr id="1" name=""/>
-        <p:cNvGrpSpPr/>
-        <p:nvPr/>
-      </p:nvGrpSpPr>
-      <p:grpSpPr>
-        <a:xfrm>
-          <a:off x="0" y="0"/>
-          <a:ext cx="0" cy="0"/>
-          <a:chOff x="0" y="0"/>
-          <a:chExt cx="0" cy="0"/>
-        </a:xfrm>
-      </p:grpSpPr>
-      <p:sp>
-        <p:nvSpPr>
-          <p:cNvPr id="2" name="TextBox 1"/>
-          <p:cNvSpPr txBox="1"/>
-          <p:nvPr/>
-        </p:nvSpPr>
-        <p:spPr>
-          <a:xfrm>
-            <a:off x="467544" y="260648"/>
-            <a:ext cx="5400600" cy="584775"/>
-          </a:xfrm>
-          <a:prstGeom prst="rect">
-            <a:avLst/>
-          </a:prstGeom>
-          <a:noFill/>
-        </p:spPr>
-        <p:txBody>
-          <a:bodyPr wrap="square" rtlCol="0">
-            <a:spAutoFit/>
-          </a:bodyPr>
-          <a:lstStyle/>
-          <a:p>
-            <a:r>
-              <a:rPr lang="en-US" sz="3200" dirty="0">
-                <a:latin typeface="Times New Roman" panose="02020603050405020304" pitchFamily="18" charset="0"/>
-                <a:cs typeface="Times New Roman" panose="02020603050405020304" pitchFamily="18" charset="0"/>
-              </a:rPr>
-              <a:t>Introduction</a:t>
-            </a:r>
-          </a:p>
-        </p:txBody>
-      </p:sp>
-      <p:sp>
-        <p:nvSpPr>
-          <p:cNvPr id="4" name="TextBox 3"/>
-          <p:cNvSpPr txBox="1"/>
-          <p:nvPr/>
-        </p:nvSpPr>
-        <p:spPr>
-          <a:xfrm>
-            <a:off x="539552" y="1013647"/>
-            <a:ext cx="7704856" cy="4457952"/>
-          </a:xfrm>
-          <a:prstGeom prst="rect">
-            <a:avLst/>
-          </a:prstGeom>
-          <a:noFill/>
-        </p:spPr>
-        <p:txBody>
-          <a:bodyPr wrap="square" rtlCol="0">
-            <a:spAutoFit/>
-          </a:bodyPr>
-          <a:lstStyle/>
-          <a:p>
-            <a:pPr>
-              <a:lnSpc>
-                <a:spcPct val="150000"/>
-              </a:lnSpc>
-            </a:pPr>
-            <a:r>
-              <a:rPr lang="en-US" sz="2400" dirty="0">
-                <a:latin typeface="Times New Roman Regular" panose="02020603050405020304" charset="0"/>
-                <a:cs typeface="Times New Roman Regular" panose="02020603050405020304" charset="0"/>
-              </a:rPr>
-              <a:t>For social media, entertainment, and security, celebrity face prediction is crucial, yet image fluctuations provide difficulties. The benefit of machine learning is that it can accurately recognise faces by analysing photos and extracting information. The project's goal is to create a trustworthy machine learning (ML) system for celebrity face detection. This system's strong capability will be useful for social media analysis, entertainment, and security applications.</a:t>
-            </a:r>
-            <a:endParaRPr lang="en-IN" sz="2400" dirty="0">
-              <a:latin typeface="Times New Roman Regular" panose="02020603050405020304" charset="0"/>
-              <a:cs typeface="Times New Roman Regular" panose="02020603050405020304" charset="0"/>
-            </a:endParaRPr>
-          </a:p>
-        </p:txBody>
-      </p:sp>
-    </p:spTree>
-  </p:cSld>
-  <p:clrMapOvr>
-    <a:masterClrMapping/>
-  </p:clrMapOvr>
-  <p:transition advTm="4000">
-    <p:cut/>
-  </p:transition>
-</p:sld>
-</file>
-
-<file path=ppt/slides/slide4.xml><?xml version="1.0" encoding="utf-8"?>
-<p:sld xmlns:a="http://schemas.openxmlformats.org/drawingml/2006/main" xmlns:r="http://schemas.openxmlformats.org/officeDocument/2006/relationships" xmlns:p="http://schemas.openxmlformats.org/presentationml/2006/main">
-  <p:cSld>
-    <p:spTree>
-      <p:nvGrpSpPr>
-        <p:cNvPr id="1" name=""/>
-        <p:cNvGrpSpPr/>
-        <p:nvPr/>
-      </p:nvGrpSpPr>
-      <p:grpSpPr>
-        <a:xfrm>
-          <a:off x="0" y="0"/>
-          <a:ext cx="0" cy="0"/>
-          <a:chOff x="0" y="0"/>
-          <a:chExt cx="0" cy="0"/>
-        </a:xfrm>
-      </p:grpSpPr>
-      <p:sp>
-        <p:nvSpPr>
-          <p:cNvPr id="2" name="TextBox 1"/>
-          <p:cNvSpPr txBox="1"/>
-          <p:nvPr/>
-        </p:nvSpPr>
-        <p:spPr>
-          <a:xfrm>
-            <a:off x="467544" y="260648"/>
-            <a:ext cx="5400600" cy="584775"/>
-          </a:xfrm>
-          <a:prstGeom prst="rect">
-            <a:avLst/>
-          </a:prstGeom>
-          <a:noFill/>
-        </p:spPr>
-        <p:txBody>
-          <a:bodyPr wrap="square" rtlCol="0">
-            <a:spAutoFit/>
-          </a:bodyPr>
-          <a:lstStyle/>
-          <a:p>
-            <a:r>
-              <a:rPr lang="en-US" sz="3200" dirty="0">
-                <a:latin typeface="Times New Roman" panose="02020603050405020304" pitchFamily="18" charset="0"/>
-                <a:cs typeface="Times New Roman" panose="02020603050405020304" pitchFamily="18" charset="0"/>
-              </a:rPr>
-              <a:t>Problem Statement</a:t>
-            </a:r>
-          </a:p>
-        </p:txBody>
-      </p:sp>
-      <p:sp>
-        <p:nvSpPr>
-          <p:cNvPr id="3" name="Rectangle 2"/>
-          <p:cNvSpPr/>
-          <p:nvPr/>
-        </p:nvSpPr>
-        <p:spPr>
-          <a:xfrm>
-            <a:off x="179512" y="845423"/>
-            <a:ext cx="8417064" cy="5565947"/>
-          </a:xfrm>
-          <a:prstGeom prst="rect">
-            <a:avLst/>
-          </a:prstGeom>
-        </p:spPr>
-        <p:txBody>
-          <a:bodyPr wrap="square">
-            <a:spAutoFit/>
-          </a:bodyPr>
-          <a:lstStyle/>
-          <a:p>
-            <a:pPr>
-              <a:lnSpc>
-                <a:spcPct val="150000"/>
-              </a:lnSpc>
-            </a:pPr>
-            <a:r>
-              <a:rPr lang="en-US" sz="2400" dirty="0">
-                <a:latin typeface="Times New Roman" panose="02020603050405020304" pitchFamily="18" charset="0"/>
-                <a:cs typeface="Times New Roman" panose="02020603050405020304" pitchFamily="18" charset="0"/>
-              </a:rPr>
-              <a:t>It can be difficult to accurately recognise famous faces in images or videos because of variations in lighting, image quality, and facial features. Key facial characteristics that set superstars apart from the general public must be the focus of effective face recognition systems. Reliable celebrity face recognition algorithms are necessary to enhance user experiences on social networking, entertainment, and security platforms. The assessment of image data, the discovery of noteworthy traits, and the development of exact models for reliable celebrity face identification are all made possible by machine learning techniques.</a:t>
-            </a:r>
-          </a:p>
-        </p:txBody>
-      </p:sp>
-    </p:spTree>
-  </p:cSld>
-  <p:clrMapOvr>
-    <a:masterClrMapping/>
-  </p:clrMapOvr>
-  <p:transition advTm="4000">
-    <p:cut/>
-  </p:transition>
-</p:sld>
-</file>
-
-<file path=ppt/slides/slide5.xml><?xml version="1.0" encoding="utf-8"?>
-<p:sld xmlns:a="http://schemas.openxmlformats.org/drawingml/2006/main" xmlns:r="http://schemas.openxmlformats.org/officeDocument/2006/relationships" xmlns:p="http://schemas.openxmlformats.org/presentationml/2006/main">
-  <p:cSld>
-    <p:spTree>
-      <p:nvGrpSpPr>
-        <p:cNvPr id="1" name=""/>
-        <p:cNvGrpSpPr/>
-        <p:nvPr/>
-      </p:nvGrpSpPr>
-      <p:grpSpPr>
-        <a:xfrm>
-          <a:off x="0" y="0"/>
-          <a:ext cx="0" cy="0"/>
-          <a:chOff x="0" y="0"/>
-          <a:chExt cx="0" cy="0"/>
-        </a:xfrm>
-      </p:grpSpPr>
-      <p:sp>
-        <p:nvSpPr>
-          <p:cNvPr id="2" name="TextBox 1"/>
-          <p:cNvSpPr txBox="1"/>
-          <p:nvPr/>
-        </p:nvSpPr>
-        <p:spPr>
-          <a:xfrm>
-            <a:off x="467544" y="260648"/>
-            <a:ext cx="5400600" cy="584775"/>
-          </a:xfrm>
-          <a:prstGeom prst="rect">
-            <a:avLst/>
-          </a:prstGeom>
-          <a:noFill/>
-        </p:spPr>
-        <p:txBody>
-          <a:bodyPr wrap="square" rtlCol="0">
-            <a:spAutoFit/>
-          </a:bodyPr>
-          <a:lstStyle/>
-          <a:p>
-            <a:r>
-              <a:rPr lang="en-US" sz="3200" dirty="0">
-                <a:latin typeface="Times New Roman" panose="02020603050405020304" pitchFamily="18" charset="0"/>
-                <a:cs typeface="Times New Roman" panose="02020603050405020304" pitchFamily="18" charset="0"/>
-              </a:rPr>
-              <a:t>Modules Used:</a:t>
-            </a:r>
-          </a:p>
-        </p:txBody>
-      </p:sp>
-      <p:sp>
-        <p:nvSpPr>
-          <p:cNvPr id="3" name="Rectangle 2"/>
-          <p:cNvSpPr/>
-          <p:nvPr/>
-        </p:nvSpPr>
-        <p:spPr>
-          <a:xfrm>
-            <a:off x="0" y="845423"/>
-            <a:ext cx="9144000" cy="4708981"/>
-          </a:xfrm>
-          <a:prstGeom prst="rect">
-            <a:avLst/>
-          </a:prstGeom>
-        </p:spPr>
-        <p:txBody>
-          <a:bodyPr wrap="square">
-            <a:spAutoFit/>
-          </a:bodyPr>
-          <a:lstStyle/>
-          <a:p>
-            <a:pPr algn="l"/>
-            <a:br>
-              <a:rPr lang="en-US" sz="2000" b="0" i="0" dirty="0">
-                <a:effectLst/>
-                <a:highlight>
-                  <a:srgbClr val="212121"/>
-                </a:highlight>
-                <a:latin typeface="Söhne"/>
-              </a:rPr>
-            </a:br>
-            <a:r>
-              <a:rPr lang="en-US" sz="2000" b="0" i="0" dirty="0">
-                <a:effectLst/>
-                <a:latin typeface="Söhne"/>
-              </a:rPr>
-              <a:t>1.OpenCV (Open Source Computer Vision Library): OpenCV is a popular open-source library for computer vision and image processing tasks. It provides a wide range of functionalities for tasks such as image and video manipulation, object detection, feature extraction, image stitching, and more. </a:t>
-            </a:r>
-          </a:p>
-          <a:p>
-            <a:pPr algn="l"/>
-            <a:endParaRPr lang="en-US" sz="2000" b="0" i="0" dirty="0">
-              <a:effectLst/>
-              <a:latin typeface="Söhne"/>
-            </a:endParaRPr>
-          </a:p>
-          <a:p>
-            <a:pPr algn="l"/>
-            <a:r>
-              <a:rPr lang="en-US" sz="2000" b="0" i="0" dirty="0">
-                <a:effectLst/>
-                <a:latin typeface="Söhne"/>
-              </a:rPr>
-              <a:t>2.Matplotlib: Matplotlib is a comprehensive plotting library for creating static, interactive, and animated visualizations in Python. It provides a interface for generating plots and charts, allowing users to create line plots, scatter plots, bar plots, histograms, etc. </a:t>
-            </a:r>
-          </a:p>
-          <a:p>
-            <a:pPr algn="l"/>
-            <a:endParaRPr lang="en-US" sz="2000" dirty="0">
-              <a:latin typeface="Söhne"/>
-            </a:endParaRPr>
-          </a:p>
-          <a:p>
-            <a:pPr algn="l"/>
-            <a:r>
-              <a:rPr lang="en-US" sz="2000" dirty="0">
-                <a:latin typeface="Söhne"/>
-              </a:rPr>
-              <a:t>3.</a:t>
-            </a:r>
-            <a:r>
-              <a:rPr lang="en-US" sz="2000" b="0" i="0" dirty="0">
-                <a:effectLst/>
-                <a:latin typeface="Söhne"/>
-              </a:rPr>
-              <a:t>NumPy (Numerical Python): NumPy is a fundamental package for numerical computing in Python. It provides support for multidimensional arrays, mathematical functions for array manipulation, linear algebra operations, Fourier transforms, random number generation</a:t>
-            </a:r>
-          </a:p>
-        </p:txBody>
-      </p:sp>
-      <p:sp>
-        <p:nvSpPr>
-          <p:cNvPr id="4" name="AutoShape 2" descr="redux-toolkit.webp (1920×1080)">
-            <a:extLst>
-              <a:ext uri="{FF2B5EF4-FFF2-40B4-BE49-F238E27FC236}">
-                <a16:creationId xmlns:a16="http://schemas.microsoft.com/office/drawing/2014/main" id="{9F3A0F66-0B06-C69F-4ACC-5DF8CFC7BEA8}"/>
-              </a:ext>
-            </a:extLst>
-          </p:cNvPr>
-          <p:cNvSpPr>
-            <a:spLocks noChangeAspect="1" noChangeArrowheads="1"/>
-          </p:cNvSpPr>
-          <p:nvPr/>
-        </p:nvSpPr>
-        <p:spPr bwMode="auto">
-          <a:xfrm>
-            <a:off x="4419600" y="3276600"/>
-            <a:ext cx="304800" cy="304800"/>
-          </a:xfrm>
-          <a:prstGeom prst="rect">
-            <a:avLst/>
-          </a:prstGeom>
-          <a:noFill/>
-          <a:extLst>
-            <a:ext uri="{909E8E84-426E-40DD-AFC4-6F175D3DCCD1}">
-              <a14:hiddenFill xmlns:a14="http://schemas.microsoft.com/office/drawing/2010/main">
-                <a:solidFill>
-                  <a:srgbClr val="FFFFFF"/>
-                </a:solidFill>
-              </a14:hiddenFill>
-            </a:ext>
-          </a:extLst>
-        </p:spPr>
-        <p:txBody>
-          <a:bodyPr vert="horz" wrap="square" lIns="91440" tIns="45720" rIns="91440" bIns="45720" numCol="1" anchor="t" anchorCtr="0" compatLnSpc="1">
-            <a:prstTxWarp prst="textNoShape">
-              <a:avLst/>
-            </a:prstTxWarp>
-          </a:bodyPr>
-          <a:lstStyle/>
-          <a:p>
-            <a:endParaRPr lang="en-US" dirty="0"/>
-          </a:p>
-        </p:txBody>
-      </p:sp>
-    </p:spTree>
-  </p:cSld>
-  <p:clrMapOvr>
-    <a:masterClrMapping/>
-  </p:clrMapOvr>
-  <p:transition advTm="4000">
-    <p:cut/>
-  </p:transition>
-</p:sld>
-</file>
-
-<file path=ppt/slides/slide6.xml><?xml version="1.0" encoding="utf-8"?>
-<p:sld xmlns:a="http://schemas.openxmlformats.org/drawingml/2006/main" xmlns:r="http://schemas.openxmlformats.org/officeDocument/2006/relationships" xmlns:p="http://schemas.openxmlformats.org/presentationml/2006/main">
-  <p:cSld>
-    <p:spTree>
-      <p:nvGrpSpPr>
-        <p:cNvPr id="1" name=""/>
-        <p:cNvGrpSpPr/>
-        <p:nvPr/>
-      </p:nvGrpSpPr>
-      <p:grpSpPr>
-        <a:xfrm>
-          <a:off x="0" y="0"/>
-          <a:ext cx="0" cy="0"/>
-          <a:chOff x="0" y="0"/>
-          <a:chExt cx="0" cy="0"/>
-        </a:xfrm>
-      </p:grpSpPr>
-      <p:sp>
-        <p:nvSpPr>
-          <p:cNvPr id="2" name="Title 1">
-            <a:extLst>
-              <a:ext uri="{FF2B5EF4-FFF2-40B4-BE49-F238E27FC236}">
-                <a16:creationId xmlns:a16="http://schemas.microsoft.com/office/drawing/2014/main" id="{7C4C8950-D51A-D43A-01FC-F427E0C7DDC2}"/>
-              </a:ext>
-            </a:extLst>
-          </p:cNvPr>
-          <p:cNvSpPr>
-            <a:spLocks noGrp="1"/>
-          </p:cNvSpPr>
-          <p:nvPr>
-            <p:ph type="ctrTitle"/>
-          </p:nvPr>
-        </p:nvSpPr>
-        <p:spPr/>
-        <p:txBody>
-          <a:bodyPr/>
-          <a:lstStyle/>
-          <a:p>
-            <a:endParaRPr lang="en-IN"/>
-          </a:p>
-        </p:txBody>
-      </p:sp>
-      <p:sp>
-        <p:nvSpPr>
-          <p:cNvPr id="3" name="Subtitle 2">
-            <a:extLst>
-              <a:ext uri="{FF2B5EF4-FFF2-40B4-BE49-F238E27FC236}">
-                <a16:creationId xmlns:a16="http://schemas.microsoft.com/office/drawing/2014/main" id="{00CCADA1-030E-EC4D-2BA0-3D531F3047FF}"/>
-              </a:ext>
-            </a:extLst>
-          </p:cNvPr>
-          <p:cNvSpPr>
-            <a:spLocks noGrp="1"/>
-          </p:cNvSpPr>
-          <p:nvPr>
-            <p:ph type="subTitle" idx="1"/>
-          </p:nvPr>
-        </p:nvSpPr>
-        <p:spPr>
-          <a:xfrm>
-            <a:off x="0" y="914401"/>
-            <a:ext cx="8686800" cy="5181599"/>
-          </a:xfrm>
-        </p:spPr>
-        <p:txBody>
-          <a:bodyPr/>
-          <a:lstStyle/>
-          <a:p>
-            <a:pPr algn="l"/>
-            <a:r>
-              <a:rPr lang="en-US" sz="2400" b="0" i="0" dirty="0">
-                <a:solidFill>
-                  <a:schemeClr val="tx1"/>
-                </a:solidFill>
-                <a:effectLst/>
-                <a:latin typeface="Söhne"/>
-              </a:rPr>
-              <a:t>4.Seaborn: Seaborn is a statistical data visualization library built on top of Matplotlib. It provides a high-level interface for creating attractive and informative statistical graphics. Seaborn simplifies the process of creating complex visualizations such as heatmaps, violin plots, pair plots, and categorical plots. </a:t>
-            </a:r>
-            <a:endParaRPr lang="en-US" sz="2400" dirty="0">
-              <a:solidFill>
-                <a:schemeClr val="tx1"/>
-              </a:solidFill>
-              <a:latin typeface="Times New Roman" panose="02020603050405020304" pitchFamily="18" charset="0"/>
-              <a:cs typeface="Times New Roman" panose="02020603050405020304" pitchFamily="18" charset="0"/>
-            </a:endParaRPr>
-          </a:p>
-          <a:p>
-            <a:pPr algn="l"/>
-            <a:endParaRPr lang="en-US" sz="3200" b="0" i="0" dirty="0">
-              <a:solidFill>
-                <a:schemeClr val="tx1"/>
-              </a:solidFill>
-              <a:effectLst/>
-              <a:latin typeface="Söhne"/>
-            </a:endParaRPr>
-          </a:p>
-          <a:p>
-            <a:pPr algn="l"/>
-            <a:r>
-              <a:rPr lang="en-US" sz="2400" b="0" i="0" dirty="0">
-                <a:solidFill>
-                  <a:schemeClr val="tx1"/>
-                </a:solidFill>
-                <a:effectLst/>
-                <a:latin typeface="Söhne"/>
-              </a:rPr>
-              <a:t>5.Pandas: Pandas is a powerful data manipulation and analysis library for Python. It provides data structures and functions for working with structured data, including labeled arrays (</a:t>
-            </a:r>
-            <a:r>
-              <a:rPr lang="en-US" sz="2400" b="0" i="0" dirty="0" err="1">
-                <a:solidFill>
-                  <a:schemeClr val="tx1"/>
-                </a:solidFill>
-                <a:effectLst/>
-                <a:latin typeface="Söhne"/>
-              </a:rPr>
-              <a:t>DataFrames</a:t>
-            </a:r>
-            <a:r>
-              <a:rPr lang="en-US" sz="2400" b="0" i="0" dirty="0">
-                <a:solidFill>
-                  <a:schemeClr val="tx1"/>
-                </a:solidFill>
-                <a:effectLst/>
-                <a:latin typeface="Söhne"/>
-              </a:rPr>
-              <a:t>) and labeled one-dimensional arrays (Series).</a:t>
-            </a:r>
-            <a:endParaRPr lang="en-IN" sz="2400" dirty="0">
-              <a:solidFill>
-                <a:schemeClr val="tx1"/>
-              </a:solidFill>
-            </a:endParaRPr>
-          </a:p>
-        </p:txBody>
-      </p:sp>
-    </p:spTree>
-    <p:extLst>
-      <p:ext uri="{BB962C8B-B14F-4D97-AF65-F5344CB8AC3E}">
-        <p14:creationId xmlns:p14="http://schemas.microsoft.com/office/powerpoint/2010/main" val="265919223"/>
-      </p:ext>
-    </p:extLst>
-  </p:cSld>
-  <p:clrMapOvr>
-    <a:masterClrMapping/>
-  </p:clrMapOvr>
-  <p:transition advTm="4000">
-    <p:cut/>
-  </p:transition>
-</p:sld>
-</file>
-
-<file path=ppt/slides/slide7.xml><?xml version="1.0" encoding="utf-8"?>
-<p:sld xmlns:a="http://schemas.openxmlformats.org/drawingml/2006/main" xmlns:r="http://schemas.openxmlformats.org/officeDocument/2006/relationships" xmlns:p="http://schemas.openxmlformats.org/presentationml/2006/main">
-  <p:cSld>
-    <p:spTree>
-      <p:nvGrpSpPr>
-        <p:cNvPr id="1" name=""/>
-        <p:cNvGrpSpPr/>
-        <p:nvPr/>
-      </p:nvGrpSpPr>
-      <p:grpSpPr>
-        <a:xfrm>
-          <a:off x="0" y="0"/>
-          <a:ext cx="0" cy="0"/>
-          <a:chOff x="0" y="0"/>
-          <a:chExt cx="0" cy="0"/>
-        </a:xfrm>
-      </p:grpSpPr>
-      <p:sp>
-        <p:nvSpPr>
-          <p:cNvPr id="2" name="TextBox 1"/>
-          <p:cNvSpPr txBox="1"/>
-          <p:nvPr/>
-        </p:nvSpPr>
-        <p:spPr>
-          <a:xfrm>
-            <a:off x="467544" y="260648"/>
-            <a:ext cx="5400600" cy="584775"/>
-          </a:xfrm>
-          <a:prstGeom prst="rect">
-            <a:avLst/>
-          </a:prstGeom>
-          <a:noFill/>
-        </p:spPr>
-        <p:txBody>
-          <a:bodyPr wrap="square" rtlCol="0">
-            <a:spAutoFit/>
-          </a:bodyPr>
-          <a:lstStyle/>
-          <a:p>
-            <a:r>
-              <a:rPr lang="en-US" sz="3200" dirty="0">
-                <a:latin typeface="Times New Roman" panose="02020603050405020304" pitchFamily="18" charset="0"/>
-                <a:cs typeface="Times New Roman" panose="02020603050405020304" pitchFamily="18" charset="0"/>
-              </a:rPr>
-              <a:t>Key Features</a:t>
-            </a:r>
-          </a:p>
-        </p:txBody>
-      </p:sp>
-      <p:sp>
-        <p:nvSpPr>
-          <p:cNvPr id="3" name="Rectangle 2"/>
-          <p:cNvSpPr/>
-          <p:nvPr/>
-        </p:nvSpPr>
-        <p:spPr>
-          <a:xfrm>
-            <a:off x="0" y="845424"/>
-            <a:ext cx="8460432" cy="5693866"/>
-          </a:xfrm>
-          <a:prstGeom prst="rect">
-            <a:avLst/>
-          </a:prstGeom>
-        </p:spPr>
-        <p:txBody>
-          <a:bodyPr wrap="square">
-            <a:spAutoFit/>
-          </a:bodyPr>
-          <a:lstStyle/>
-          <a:p>
-            <a:pPr marL="514350" indent="-514350" algn="just">
-              <a:buAutoNum type="arabicPeriod"/>
-            </a:pPr>
-            <a:r>
-              <a:rPr lang="en-US" sz="2400" dirty="0">
-                <a:latin typeface="Times New Roman" panose="02020603050405020304" pitchFamily="18" charset="0"/>
-                <a:cs typeface="Times New Roman" panose="02020603050405020304" pitchFamily="18" charset="0"/>
-              </a:rPr>
-              <a:t>Organise a collection of images that is diverse and clearly labels well-known faces from less-known ones. </a:t>
-            </a:r>
-          </a:p>
-          <a:p>
-            <a:pPr marL="514350" indent="-514350" algn="just">
-              <a:buAutoNum type="arabicPeriod"/>
-            </a:pPr>
-            <a:endParaRPr lang="en-US" sz="2400" dirty="0">
-              <a:latin typeface="Times New Roman" panose="02020603050405020304" pitchFamily="18" charset="0"/>
-              <a:cs typeface="Times New Roman" panose="02020603050405020304" pitchFamily="18" charset="0"/>
-            </a:endParaRPr>
-          </a:p>
-          <a:p>
-            <a:pPr marL="514350" indent="-514350" algn="just">
-              <a:buAutoNum type="arabicPeriod"/>
-            </a:pPr>
-            <a:r>
-              <a:rPr lang="en-US" sz="2400" dirty="0">
-                <a:latin typeface="Times New Roman" panose="02020603050405020304" pitchFamily="18" charset="0"/>
-                <a:cs typeface="Times New Roman" panose="02020603050405020304" pitchFamily="18" charset="0"/>
-              </a:rPr>
-              <a:t>To increase model generalisation, preprocess photos using scaling, normalisation, and improvements.</a:t>
-            </a:r>
-          </a:p>
-          <a:p>
-            <a:pPr marL="514350" indent="-514350" algn="just">
-              <a:buAutoNum type="arabicPeriod"/>
-            </a:pPr>
-            <a:endParaRPr lang="en-US" sz="2400" dirty="0">
-              <a:latin typeface="Times New Roman" panose="02020603050405020304" pitchFamily="18" charset="0"/>
-              <a:cs typeface="Times New Roman" panose="02020603050405020304" pitchFamily="18" charset="0"/>
-            </a:endParaRPr>
-          </a:p>
-          <a:p>
-            <a:pPr marL="514350" indent="-514350" algn="just">
-              <a:buAutoNum type="arabicPeriod"/>
-            </a:pPr>
-            <a:r>
-              <a:rPr lang="en-US" sz="2400" dirty="0">
-                <a:latin typeface="Times New Roman" panose="02020603050405020304" pitchFamily="18" charset="0"/>
-                <a:cs typeface="Times New Roman" panose="02020603050405020304" pitchFamily="18" charset="0"/>
-              </a:rPr>
-              <a:t>Utilising preprocessed data, train the model and tweak its hyperparameters to improve face detection precision. For efficient celebrity face identification, assess model performance using measures like as accuracy, precision, recall, and F1-score. </a:t>
-            </a:r>
-          </a:p>
-          <a:p>
-            <a:pPr marL="514350" indent="-514350" algn="just">
-              <a:buAutoNum type="arabicPeriod"/>
-            </a:pPr>
-            <a:endParaRPr lang="en-US" sz="2400" dirty="0">
-              <a:latin typeface="Times New Roman" panose="02020603050405020304" pitchFamily="18" charset="0"/>
-              <a:cs typeface="Times New Roman" panose="02020603050405020304" pitchFamily="18" charset="0"/>
-            </a:endParaRPr>
-          </a:p>
-          <a:p>
-            <a:pPr marL="514350" indent="-514350" algn="just">
-              <a:buAutoNum type="arabicPeriod"/>
-            </a:pPr>
-            <a:r>
-              <a:rPr lang="en-US" sz="2400" dirty="0">
-                <a:latin typeface="Times New Roman" panose="02020603050405020304" pitchFamily="18" charset="0"/>
-                <a:cs typeface="Times New Roman" panose="02020603050405020304" pitchFamily="18" charset="0"/>
-              </a:rPr>
-              <a:t>In order to retain accuracy in real-world applications and adjust the model to changing picture properties, implement continuous monitoring and updates</a:t>
-            </a:r>
-            <a:r>
-              <a:rPr lang="en-US" sz="2800" dirty="0">
-                <a:latin typeface="Times New Roman" panose="02020603050405020304" pitchFamily="18" charset="0"/>
-                <a:cs typeface="Times New Roman" panose="02020603050405020304" pitchFamily="18" charset="0"/>
-              </a:rPr>
-              <a:t>.</a:t>
-            </a:r>
-          </a:p>
-        </p:txBody>
-      </p:sp>
-    </p:spTree>
-  </p:cSld>
-  <p:clrMapOvr>
-    <a:masterClrMapping/>
-  </p:clrMapOvr>
-  <p:transition advTm="4000">
-    <p:cut/>
-  </p:transition>
-</p:sld>
-</file>
-
-<file path=ppt/slides/slide8.xml><?xml version="1.0" encoding="utf-8"?>
-<p:sld xmlns:a="http://schemas.openxmlformats.org/drawingml/2006/main" xmlns:r="http://schemas.openxmlformats.org/officeDocument/2006/relationships" xmlns:p="http://schemas.openxmlformats.org/presentationml/2006/main">
-  <p:cSld>
-    <p:spTree>
-      <p:nvGrpSpPr>
-        <p:cNvPr id="1" name=""/>
-        <p:cNvGrpSpPr/>
-        <p:nvPr/>
-      </p:nvGrpSpPr>
-      <p:grpSpPr>
-        <a:xfrm>
-          <a:off x="0" y="0"/>
-          <a:ext cx="0" cy="0"/>
-          <a:chOff x="0" y="0"/>
-          <a:chExt cx="0" cy="0"/>
-        </a:xfrm>
-      </p:grpSpPr>
-      <p:sp>
-        <p:nvSpPr>
-          <p:cNvPr id="2" name="TextBox 1"/>
-          <p:cNvSpPr txBox="1"/>
-          <p:nvPr/>
-        </p:nvSpPr>
-        <p:spPr>
-          <a:xfrm>
-            <a:off x="467544" y="260648"/>
-            <a:ext cx="5400600" cy="584775"/>
-          </a:xfrm>
-          <a:prstGeom prst="rect">
-            <a:avLst/>
-          </a:prstGeom>
-          <a:noFill/>
-        </p:spPr>
-        <p:txBody>
-          <a:bodyPr wrap="square" rtlCol="0">
-            <a:spAutoFit/>
-          </a:bodyPr>
-          <a:lstStyle/>
-          <a:p>
-            <a:r>
-              <a:rPr lang="en-US" sz="3200" dirty="0">
-                <a:latin typeface="Times New Roman" panose="02020603050405020304" pitchFamily="18" charset="0"/>
-                <a:cs typeface="Times New Roman" panose="02020603050405020304" pitchFamily="18" charset="0"/>
-              </a:rPr>
-              <a:t>Conclusion</a:t>
-            </a:r>
-          </a:p>
-        </p:txBody>
-      </p:sp>
-      <p:sp>
-        <p:nvSpPr>
-          <p:cNvPr id="3" name="Rectangle 2"/>
-          <p:cNvSpPr/>
-          <p:nvPr/>
-        </p:nvSpPr>
-        <p:spPr>
-          <a:xfrm>
-            <a:off x="0" y="845423"/>
-            <a:ext cx="9144000" cy="5115311"/>
-          </a:xfrm>
-          <a:prstGeom prst="rect">
-            <a:avLst/>
-          </a:prstGeom>
-        </p:spPr>
-        <p:txBody>
-          <a:bodyPr wrap="square">
-            <a:spAutoFit/>
-          </a:bodyPr>
-          <a:lstStyle/>
-          <a:p>
-            <a:pPr algn="just">
-              <a:lnSpc>
-                <a:spcPct val="150000"/>
-              </a:lnSpc>
-            </a:pPr>
-            <a:r>
-              <a:rPr lang="en-US" sz="2000" dirty="0">
-                <a:latin typeface="Times New Roman" panose="02020603050405020304" pitchFamily="18" charset="0"/>
-                <a:cs typeface="Times New Roman" panose="02020603050405020304" pitchFamily="18" charset="0"/>
-              </a:rPr>
-              <a:t>To guarantee accurate celebrity face identification, assess model accuracy using thorough assessment measures. To find the most effective strategy for identifying celebrities' faces while maximising performance and dependability, compare and evaluate a variety of machine learning algorithms and techniques. Showcase the face detection model's usefulness and adaptability in a variety of contexts, including security systems, social networking sites, and the entertainment industry. Emphasise how this model may improve usability and functionality. Maintain good performance over time by regularly assessing the model's accuracy, flexibility, and stability with fresh data and changing image attributes. To create new benchmarks for the industry, investigate how the celebrity face detection model can revolutionise security procedures, provide cutting-edge capabilities to a range of apps, and greatly improve user experiences.</a:t>
-            </a:r>
-          </a:p>
-        </p:txBody>
-      </p:sp>
-    </p:spTree>
-  </p:cSld>
-  <p:clrMapOvr>
-    <a:masterClrMapping/>
-  </p:clrMapOvr>
-  <p:transition advTm="4000">
-    <p:cut/>
-  </p:transition>
-</p:sld>
-</file>
-
-<file path=ppt/slides/slide9.xml><?xml version="1.0" encoding="utf-8"?>
-<p:sld xmlns:a="http://schemas.openxmlformats.org/drawingml/2006/main" xmlns:r="http://schemas.openxmlformats.org/officeDocument/2006/relationships" xmlns:p="http://schemas.openxmlformats.org/presentationml/2006/main">
-  <p:cSld>
-    <p:spTree>
-      <p:nvGrpSpPr>
-        <p:cNvPr id="1" name=""/>
-        <p:cNvGrpSpPr/>
-        <p:nvPr/>
-      </p:nvGrpSpPr>
-      <p:grpSpPr>
-        <a:xfrm>
-          <a:off x="0" y="0"/>
-          <a:ext cx="0" cy="0"/>
-          <a:chOff x="0" y="0"/>
-          <a:chExt cx="0" cy="0"/>
-        </a:xfrm>
-      </p:grpSpPr>
-      <p:sp>
-        <p:nvSpPr>
-          <p:cNvPr id="2" name="Title 1">
-            <a:extLst>
-              <a:ext uri="{FF2B5EF4-FFF2-40B4-BE49-F238E27FC236}">
-                <a16:creationId xmlns:a16="http://schemas.microsoft.com/office/drawing/2014/main" id="{295F1C49-99DB-1EE1-575B-CFADCB6BA143}"/>
-              </a:ext>
-            </a:extLst>
-          </p:cNvPr>
-          <p:cNvSpPr>
-            <a:spLocks noGrp="1"/>
-          </p:cNvSpPr>
-          <p:nvPr>
-            <p:ph type="ctrTitle"/>
-          </p:nvPr>
-        </p:nvSpPr>
-        <p:spPr>
-          <a:xfrm>
-            <a:off x="-324544" y="0"/>
-            <a:ext cx="5594920" cy="914400"/>
-          </a:xfrm>
-        </p:spPr>
-        <p:txBody>
-          <a:bodyPr/>
-          <a:lstStyle/>
-          <a:p>
-            <a:r>
-              <a:rPr lang="en-US" dirty="0"/>
-              <a:t>Highlights Of The Project</a:t>
-            </a:r>
-          </a:p>
-        </p:txBody>
-      </p:sp>
-      <p:sp>
-        <p:nvSpPr>
-          <p:cNvPr id="3" name="Subtitle 2">
-            <a:extLst>
-              <a:ext uri="{FF2B5EF4-FFF2-40B4-BE49-F238E27FC236}">
-                <a16:creationId xmlns:a16="http://schemas.microsoft.com/office/drawing/2014/main" id="{B13F68D3-CDD2-CDB5-9D3E-083B8C953F85}"/>
-              </a:ext>
-            </a:extLst>
-          </p:cNvPr>
-          <p:cNvSpPr>
-            <a:spLocks noGrp="1"/>
-          </p:cNvSpPr>
-          <p:nvPr>
-            <p:ph type="subTitle" idx="1"/>
-          </p:nvPr>
-        </p:nvSpPr>
-        <p:spPr>
-          <a:xfrm>
-            <a:off x="6012160" y="1371600"/>
-            <a:ext cx="2674640" cy="833264"/>
-          </a:xfrm>
-        </p:spPr>
-        <p:txBody>
-          <a:bodyPr/>
-          <a:lstStyle/>
-          <a:p>
-            <a:endParaRPr lang="en-US" dirty="0"/>
-          </a:p>
-        </p:txBody>
-      </p:sp>
-      <p:pic>
-        <p:nvPicPr>
-          <p:cNvPr id="10" name="Picture 9">
-            <a:extLst>
-              <a:ext uri="{FF2B5EF4-FFF2-40B4-BE49-F238E27FC236}">
-                <a16:creationId xmlns:a16="http://schemas.microsoft.com/office/drawing/2014/main" id="{62B84DD4-BE24-EF39-D812-E04FD9D2B1ED}"/>
-              </a:ext>
-            </a:extLst>
-          </p:cNvPr>
-          <p:cNvPicPr>
-            <a:picLocks noChangeAspect="1"/>
-          </p:cNvPicPr>
-          <p:nvPr/>
-        </p:nvPicPr>
-        <p:blipFill rotWithShape="1">
-          <a:blip r:embed="rId2">
-            <a:extLst>
-              <a:ext uri="{28A0092B-C50C-407E-A947-70E740481C1C}">
-                <a14:useLocalDpi xmlns:a14="http://schemas.microsoft.com/office/drawing/2010/main" val="0"/>
-              </a:ext>
-            </a:extLst>
-          </a:blip>
-          <a:srcRect b="6119"/>
-          <a:stretch/>
-        </p:blipFill>
-        <p:spPr>
-          <a:xfrm>
-            <a:off x="0" y="857250"/>
-            <a:ext cx="9144000" cy="5524078"/>
-          </a:xfrm>
-          <a:prstGeom prst="rect">
-            <a:avLst/>
-          </a:prstGeom>
-        </p:spPr>
-      </p:pic>
-    </p:spTree>
-    <p:extLst>
-      <p:ext uri="{BB962C8B-B14F-4D97-AF65-F5344CB8AC3E}">
-        <p14:creationId xmlns:p14="http://schemas.microsoft.com/office/powerpoint/2010/main" val="3146140689"/>
       </p:ext>
     </p:extLst>
   </p:cSld>
